--- a/맞춤형 학습 도우미-5조_진행1.pptx
+++ b/맞춤형 학습 도우미-5조_진행1.pptx
@@ -21,10 +21,11 @@
     <p:sldId id="271" r:id="rId15"/>
     <p:sldId id="272" r:id="rId16"/>
     <p:sldId id="273" r:id="rId17"/>
-    <p:sldId id="274" r:id="rId18"/>
-    <p:sldId id="275" r:id="rId19"/>
-    <p:sldId id="276" r:id="rId20"/>
-    <p:sldId id="268" r:id="rId21"/>
+    <p:sldId id="277" r:id="rId18"/>
+    <p:sldId id="274" r:id="rId19"/>
+    <p:sldId id="275" r:id="rId20"/>
+    <p:sldId id="276" r:id="rId21"/>
+    <p:sldId id="268" r:id="rId22"/>
   </p:sldIdLst>
   <p:sldSz cx="9144000" cy="5143500" type="screen16x9"/>
   <p:notesSz cx="6858000" cy="9144000"/>
@@ -123,6 +124,22 @@
       </a:defRPr>
     </a:lvl9pPr>
   </p:defaultTextStyle>
+  <p:extLst>
+    <p:ext uri="{EFAFB233-063F-42B5-8137-9DF3F51BA10A}">
+      <p15:sldGuideLst xmlns:p15="http://schemas.microsoft.com/office/powerpoint/2012/main">
+        <p15:guide id="1" orient="horz" pos="1620">
+          <p15:clr>
+            <a:srgbClr val="A4A3A4"/>
+          </p15:clr>
+        </p15:guide>
+        <p15:guide id="2" pos="2880">
+          <p15:clr>
+            <a:srgbClr val="A4A3A4"/>
+          </p15:clr>
+        </p15:guide>
+      </p15:sldGuideLst>
+    </p:ext>
+  </p:extLst>
 </p:presentation>
 </file>
 
@@ -164,10 +181,9 @@
           <a:lstStyle/>
           <a:p>
             <a:r>
-              <a:rPr lang="ko-KR" altLang="en-US" smtClean="0"/>
+              <a:rPr lang="ko-KR" altLang="en-US"/>
               <a:t>마스터 제목 스타일 편집</a:t>
             </a:r>
-            <a:endParaRPr lang="ko-KR" altLang="en-US"/>
           </a:p>
         </p:txBody>
       </p:sp>
@@ -283,10 +299,9 @@
           </a:lstStyle>
           <a:p>
             <a:r>
-              <a:rPr lang="ko-KR" altLang="en-US" smtClean="0"/>
+              <a:rPr lang="ko-KR" altLang="en-US"/>
               <a:t>마스터 부제목 스타일 편집</a:t>
             </a:r>
-            <a:endParaRPr lang="ko-KR" altLang="en-US"/>
           </a:p>
         </p:txBody>
       </p:sp>
@@ -401,10 +416,9 @@
           <a:lstStyle/>
           <a:p>
             <a:r>
-              <a:rPr lang="ko-KR" altLang="en-US" smtClean="0"/>
+              <a:rPr lang="ko-KR" altLang="en-US"/>
               <a:t>마스터 제목 스타일 편집</a:t>
             </a:r>
-            <a:endParaRPr lang="ko-KR" altLang="en-US"/>
           </a:p>
         </p:txBody>
       </p:sp>
@@ -425,38 +439,37 @@
           <a:p>
             <a:pPr lvl="0"/>
             <a:r>
-              <a:rPr lang="ko-KR" altLang="en-US" smtClean="0"/>
+              <a:rPr lang="ko-KR" altLang="en-US"/>
               <a:t>마스터 텍스트 스타일을 편집합니다</a:t>
             </a:r>
           </a:p>
           <a:p>
             <a:pPr lvl="1"/>
             <a:r>
-              <a:rPr lang="ko-KR" altLang="en-US" smtClean="0"/>
+              <a:rPr lang="ko-KR" altLang="en-US"/>
               <a:t>둘째 수준</a:t>
             </a:r>
           </a:p>
           <a:p>
             <a:pPr lvl="2"/>
             <a:r>
-              <a:rPr lang="ko-KR" altLang="en-US" smtClean="0"/>
+              <a:rPr lang="ko-KR" altLang="en-US"/>
               <a:t>셋째 수준</a:t>
             </a:r>
           </a:p>
           <a:p>
             <a:pPr lvl="3"/>
             <a:r>
-              <a:rPr lang="ko-KR" altLang="en-US" smtClean="0"/>
+              <a:rPr lang="ko-KR" altLang="en-US"/>
               <a:t>넷째 수준</a:t>
             </a:r>
           </a:p>
           <a:p>
             <a:pPr lvl="4"/>
             <a:r>
-              <a:rPr lang="ko-KR" altLang="en-US" smtClean="0"/>
+              <a:rPr lang="ko-KR" altLang="en-US"/>
               <a:t>다섯째 수준</a:t>
             </a:r>
-            <a:endParaRPr lang="ko-KR" altLang="en-US"/>
           </a:p>
         </p:txBody>
       </p:sp>
@@ -576,10 +589,9 @@
           <a:lstStyle/>
           <a:p>
             <a:r>
-              <a:rPr lang="ko-KR" altLang="en-US" smtClean="0"/>
+              <a:rPr lang="ko-KR" altLang="en-US"/>
               <a:t>마스터 제목 스타일 편집</a:t>
             </a:r>
-            <a:endParaRPr lang="ko-KR" altLang="en-US"/>
           </a:p>
         </p:txBody>
       </p:sp>
@@ -605,38 +617,37 @@
           <a:p>
             <a:pPr lvl="0"/>
             <a:r>
-              <a:rPr lang="ko-KR" altLang="en-US" smtClean="0"/>
+              <a:rPr lang="ko-KR" altLang="en-US"/>
               <a:t>마스터 텍스트 스타일을 편집합니다</a:t>
             </a:r>
           </a:p>
           <a:p>
             <a:pPr lvl="1"/>
             <a:r>
-              <a:rPr lang="ko-KR" altLang="en-US" smtClean="0"/>
+              <a:rPr lang="ko-KR" altLang="en-US"/>
               <a:t>둘째 수준</a:t>
             </a:r>
           </a:p>
           <a:p>
             <a:pPr lvl="2"/>
             <a:r>
-              <a:rPr lang="ko-KR" altLang="en-US" smtClean="0"/>
+              <a:rPr lang="ko-KR" altLang="en-US"/>
               <a:t>셋째 수준</a:t>
             </a:r>
           </a:p>
           <a:p>
             <a:pPr lvl="3"/>
             <a:r>
-              <a:rPr lang="ko-KR" altLang="en-US" smtClean="0"/>
+              <a:rPr lang="ko-KR" altLang="en-US"/>
               <a:t>넷째 수준</a:t>
             </a:r>
           </a:p>
           <a:p>
             <a:pPr lvl="4"/>
             <a:r>
-              <a:rPr lang="ko-KR" altLang="en-US" smtClean="0"/>
+              <a:rPr lang="ko-KR" altLang="en-US"/>
               <a:t>다섯째 수준</a:t>
             </a:r>
-            <a:endParaRPr lang="ko-KR" altLang="en-US"/>
           </a:p>
         </p:txBody>
       </p:sp>
@@ -751,10 +762,9 @@
           <a:lstStyle/>
           <a:p>
             <a:r>
-              <a:rPr lang="ko-KR" altLang="en-US" smtClean="0"/>
+              <a:rPr lang="ko-KR" altLang="en-US"/>
               <a:t>마스터 제목 스타일 편집</a:t>
             </a:r>
-            <a:endParaRPr lang="ko-KR" altLang="en-US"/>
           </a:p>
         </p:txBody>
       </p:sp>
@@ -775,38 +785,37 @@
           <a:p>
             <a:pPr lvl="0"/>
             <a:r>
-              <a:rPr lang="ko-KR" altLang="en-US" smtClean="0"/>
+              <a:rPr lang="ko-KR" altLang="en-US"/>
               <a:t>마스터 텍스트 스타일을 편집합니다</a:t>
             </a:r>
           </a:p>
           <a:p>
             <a:pPr lvl="1"/>
             <a:r>
-              <a:rPr lang="ko-KR" altLang="en-US" smtClean="0"/>
+              <a:rPr lang="ko-KR" altLang="en-US"/>
               <a:t>둘째 수준</a:t>
             </a:r>
           </a:p>
           <a:p>
             <a:pPr lvl="2"/>
             <a:r>
-              <a:rPr lang="ko-KR" altLang="en-US" smtClean="0"/>
+              <a:rPr lang="ko-KR" altLang="en-US"/>
               <a:t>셋째 수준</a:t>
             </a:r>
           </a:p>
           <a:p>
             <a:pPr lvl="3"/>
             <a:r>
-              <a:rPr lang="ko-KR" altLang="en-US" smtClean="0"/>
+              <a:rPr lang="ko-KR" altLang="en-US"/>
               <a:t>넷째 수준</a:t>
             </a:r>
           </a:p>
           <a:p>
             <a:pPr lvl="4"/>
             <a:r>
-              <a:rPr lang="ko-KR" altLang="en-US" smtClean="0"/>
+              <a:rPr lang="ko-KR" altLang="en-US"/>
               <a:t>다섯째 수준</a:t>
             </a:r>
-            <a:endParaRPr lang="ko-KR" altLang="en-US"/>
           </a:p>
         </p:txBody>
       </p:sp>
@@ -930,10 +939,9 @@
           </a:lstStyle>
           <a:p>
             <a:r>
-              <a:rPr lang="ko-KR" altLang="en-US" smtClean="0"/>
+              <a:rPr lang="ko-KR" altLang="en-US"/>
               <a:t>마스터 제목 스타일 편집</a:t>
             </a:r>
-            <a:endParaRPr lang="ko-KR" altLang="en-US"/>
           </a:p>
         </p:txBody>
       </p:sp>
@@ -1050,7 +1058,7 @@
           <a:p>
             <a:pPr lvl="0"/>
             <a:r>
-              <a:rPr lang="ko-KR" altLang="en-US" smtClean="0"/>
+              <a:rPr lang="ko-KR" altLang="en-US"/>
               <a:t>마스터 텍스트 스타일을 편집합니다</a:t>
             </a:r>
           </a:p>
@@ -1167,10 +1175,9 @@
           <a:lstStyle/>
           <a:p>
             <a:r>
-              <a:rPr lang="ko-KR" altLang="en-US" smtClean="0"/>
+              <a:rPr lang="ko-KR" altLang="en-US"/>
               <a:t>마스터 제목 스타일 편집</a:t>
             </a:r>
-            <a:endParaRPr lang="ko-KR" altLang="en-US"/>
           </a:p>
         </p:txBody>
       </p:sp>
@@ -1224,38 +1231,37 @@
           <a:p>
             <a:pPr lvl="0"/>
             <a:r>
-              <a:rPr lang="ko-KR" altLang="en-US" smtClean="0"/>
+              <a:rPr lang="ko-KR" altLang="en-US"/>
               <a:t>마스터 텍스트 스타일을 편집합니다</a:t>
             </a:r>
           </a:p>
           <a:p>
             <a:pPr lvl="1"/>
             <a:r>
-              <a:rPr lang="ko-KR" altLang="en-US" smtClean="0"/>
+              <a:rPr lang="ko-KR" altLang="en-US"/>
               <a:t>둘째 수준</a:t>
             </a:r>
           </a:p>
           <a:p>
             <a:pPr lvl="2"/>
             <a:r>
-              <a:rPr lang="ko-KR" altLang="en-US" smtClean="0"/>
+              <a:rPr lang="ko-KR" altLang="en-US"/>
               <a:t>셋째 수준</a:t>
             </a:r>
           </a:p>
           <a:p>
             <a:pPr lvl="3"/>
             <a:r>
-              <a:rPr lang="ko-KR" altLang="en-US" smtClean="0"/>
+              <a:rPr lang="ko-KR" altLang="en-US"/>
               <a:t>넷째 수준</a:t>
             </a:r>
           </a:p>
           <a:p>
             <a:pPr lvl="4"/>
             <a:r>
-              <a:rPr lang="ko-KR" altLang="en-US" smtClean="0"/>
+              <a:rPr lang="ko-KR" altLang="en-US"/>
               <a:t>다섯째 수준</a:t>
             </a:r>
-            <a:endParaRPr lang="ko-KR" altLang="en-US"/>
           </a:p>
         </p:txBody>
       </p:sp>
@@ -1309,38 +1315,37 @@
           <a:p>
             <a:pPr lvl="0"/>
             <a:r>
-              <a:rPr lang="ko-KR" altLang="en-US" smtClean="0"/>
+              <a:rPr lang="ko-KR" altLang="en-US"/>
               <a:t>마스터 텍스트 스타일을 편집합니다</a:t>
             </a:r>
           </a:p>
           <a:p>
             <a:pPr lvl="1"/>
             <a:r>
-              <a:rPr lang="ko-KR" altLang="en-US" smtClean="0"/>
+              <a:rPr lang="ko-KR" altLang="en-US"/>
               <a:t>둘째 수준</a:t>
             </a:r>
           </a:p>
           <a:p>
             <a:pPr lvl="2"/>
             <a:r>
-              <a:rPr lang="ko-KR" altLang="en-US" smtClean="0"/>
+              <a:rPr lang="ko-KR" altLang="en-US"/>
               <a:t>셋째 수준</a:t>
             </a:r>
           </a:p>
           <a:p>
             <a:pPr lvl="3"/>
             <a:r>
-              <a:rPr lang="ko-KR" altLang="en-US" smtClean="0"/>
+              <a:rPr lang="ko-KR" altLang="en-US"/>
               <a:t>넷째 수준</a:t>
             </a:r>
           </a:p>
           <a:p>
             <a:pPr lvl="4"/>
             <a:r>
-              <a:rPr lang="ko-KR" altLang="en-US" smtClean="0"/>
+              <a:rPr lang="ko-KR" altLang="en-US"/>
               <a:t>다섯째 수준</a:t>
             </a:r>
-            <a:endParaRPr lang="ko-KR" altLang="en-US"/>
           </a:p>
         </p:txBody>
       </p:sp>
@@ -1464,10 +1469,9 @@
           </a:lstStyle>
           <a:p>
             <a:r>
-              <a:rPr lang="ko-KR" altLang="en-US" smtClean="0"/>
+              <a:rPr lang="ko-KR" altLang="en-US"/>
               <a:t>마스터 제목 스타일 편집</a:t>
             </a:r>
-            <a:endParaRPr lang="ko-KR" altLang="en-US"/>
           </a:p>
         </p:txBody>
       </p:sp>
@@ -1530,7 +1534,7 @@
           <a:p>
             <a:pPr lvl="0"/>
             <a:r>
-              <a:rPr lang="ko-KR" altLang="en-US" smtClean="0"/>
+              <a:rPr lang="ko-KR" altLang="en-US"/>
               <a:t>마스터 텍스트 스타일을 편집합니다</a:t>
             </a:r>
           </a:p>
@@ -1586,38 +1590,37 @@
           <a:p>
             <a:pPr lvl="0"/>
             <a:r>
-              <a:rPr lang="ko-KR" altLang="en-US" smtClean="0"/>
+              <a:rPr lang="ko-KR" altLang="en-US"/>
               <a:t>마스터 텍스트 스타일을 편집합니다</a:t>
             </a:r>
           </a:p>
           <a:p>
             <a:pPr lvl="1"/>
             <a:r>
-              <a:rPr lang="ko-KR" altLang="en-US" smtClean="0"/>
+              <a:rPr lang="ko-KR" altLang="en-US"/>
               <a:t>둘째 수준</a:t>
             </a:r>
           </a:p>
           <a:p>
             <a:pPr lvl="2"/>
             <a:r>
-              <a:rPr lang="ko-KR" altLang="en-US" smtClean="0"/>
+              <a:rPr lang="ko-KR" altLang="en-US"/>
               <a:t>셋째 수준</a:t>
             </a:r>
           </a:p>
           <a:p>
             <a:pPr lvl="3"/>
             <a:r>
-              <a:rPr lang="ko-KR" altLang="en-US" smtClean="0"/>
+              <a:rPr lang="ko-KR" altLang="en-US"/>
               <a:t>넷째 수준</a:t>
             </a:r>
           </a:p>
           <a:p>
             <a:pPr lvl="4"/>
             <a:r>
-              <a:rPr lang="ko-KR" altLang="en-US" smtClean="0"/>
+              <a:rPr lang="ko-KR" altLang="en-US"/>
               <a:t>다섯째 수준</a:t>
             </a:r>
-            <a:endParaRPr lang="ko-KR" altLang="en-US"/>
           </a:p>
         </p:txBody>
       </p:sp>
@@ -1680,7 +1683,7 @@
           <a:p>
             <a:pPr lvl="0"/>
             <a:r>
-              <a:rPr lang="ko-KR" altLang="en-US" smtClean="0"/>
+              <a:rPr lang="ko-KR" altLang="en-US"/>
               <a:t>마스터 텍스트 스타일을 편집합니다</a:t>
             </a:r>
           </a:p>
@@ -1736,38 +1739,37 @@
           <a:p>
             <a:pPr lvl="0"/>
             <a:r>
-              <a:rPr lang="ko-KR" altLang="en-US" smtClean="0"/>
+              <a:rPr lang="ko-KR" altLang="en-US"/>
               <a:t>마스터 텍스트 스타일을 편집합니다</a:t>
             </a:r>
           </a:p>
           <a:p>
             <a:pPr lvl="1"/>
             <a:r>
-              <a:rPr lang="ko-KR" altLang="en-US" smtClean="0"/>
+              <a:rPr lang="ko-KR" altLang="en-US"/>
               <a:t>둘째 수준</a:t>
             </a:r>
           </a:p>
           <a:p>
             <a:pPr lvl="2"/>
             <a:r>
-              <a:rPr lang="ko-KR" altLang="en-US" smtClean="0"/>
+              <a:rPr lang="ko-KR" altLang="en-US"/>
               <a:t>셋째 수준</a:t>
             </a:r>
           </a:p>
           <a:p>
             <a:pPr lvl="3"/>
             <a:r>
-              <a:rPr lang="ko-KR" altLang="en-US" smtClean="0"/>
+              <a:rPr lang="ko-KR" altLang="en-US"/>
               <a:t>넷째 수준</a:t>
             </a:r>
           </a:p>
           <a:p>
             <a:pPr lvl="4"/>
             <a:r>
-              <a:rPr lang="ko-KR" altLang="en-US" smtClean="0"/>
+              <a:rPr lang="ko-KR" altLang="en-US"/>
               <a:t>다섯째 수준</a:t>
             </a:r>
-            <a:endParaRPr lang="ko-KR" altLang="en-US"/>
           </a:p>
         </p:txBody>
       </p:sp>
@@ -1882,10 +1884,9 @@
           <a:lstStyle/>
           <a:p>
             <a:r>
-              <a:rPr lang="ko-KR" altLang="en-US" smtClean="0"/>
+              <a:rPr lang="ko-KR" altLang="en-US"/>
               <a:t>마스터 제목 스타일 편집</a:t>
             </a:r>
-            <a:endParaRPr lang="ko-KR" altLang="en-US"/>
           </a:p>
         </p:txBody>
       </p:sp>
@@ -2104,10 +2105,9 @@
           </a:lstStyle>
           <a:p>
             <a:r>
-              <a:rPr lang="ko-KR" altLang="en-US" smtClean="0"/>
+              <a:rPr lang="ko-KR" altLang="en-US"/>
               <a:t>마스터 제목 스타일 편집</a:t>
             </a:r>
-            <a:endParaRPr lang="ko-KR" altLang="en-US"/>
           </a:p>
         </p:txBody>
       </p:sp>
@@ -2161,38 +2161,37 @@
           <a:p>
             <a:pPr lvl="0"/>
             <a:r>
-              <a:rPr lang="ko-KR" altLang="en-US" smtClean="0"/>
+              <a:rPr lang="ko-KR" altLang="en-US"/>
               <a:t>마스터 텍스트 스타일을 편집합니다</a:t>
             </a:r>
           </a:p>
           <a:p>
             <a:pPr lvl="1"/>
             <a:r>
-              <a:rPr lang="ko-KR" altLang="en-US" smtClean="0"/>
+              <a:rPr lang="ko-KR" altLang="en-US"/>
               <a:t>둘째 수준</a:t>
             </a:r>
           </a:p>
           <a:p>
             <a:pPr lvl="2"/>
             <a:r>
-              <a:rPr lang="ko-KR" altLang="en-US" smtClean="0"/>
+              <a:rPr lang="ko-KR" altLang="en-US"/>
               <a:t>셋째 수준</a:t>
             </a:r>
           </a:p>
           <a:p>
             <a:pPr lvl="3"/>
             <a:r>
-              <a:rPr lang="ko-KR" altLang="en-US" smtClean="0"/>
+              <a:rPr lang="ko-KR" altLang="en-US"/>
               <a:t>넷째 수준</a:t>
             </a:r>
           </a:p>
           <a:p>
             <a:pPr lvl="4"/>
             <a:r>
-              <a:rPr lang="ko-KR" altLang="en-US" smtClean="0"/>
+              <a:rPr lang="ko-KR" altLang="en-US"/>
               <a:t>다섯째 수준</a:t>
             </a:r>
-            <a:endParaRPr lang="ko-KR" altLang="en-US"/>
           </a:p>
         </p:txBody>
       </p:sp>
@@ -2255,7 +2254,7 @@
           <a:p>
             <a:pPr lvl="0"/>
             <a:r>
-              <a:rPr lang="ko-KR" altLang="en-US" smtClean="0"/>
+              <a:rPr lang="ko-KR" altLang="en-US"/>
               <a:t>마스터 텍스트 스타일을 편집합니다</a:t>
             </a:r>
           </a:p>
@@ -2381,10 +2380,9 @@
           </a:lstStyle>
           <a:p>
             <a:r>
-              <a:rPr lang="ko-KR" altLang="en-US" smtClean="0"/>
+              <a:rPr lang="ko-KR" altLang="en-US"/>
               <a:t>마스터 제목 스타일 편집</a:t>
             </a:r>
-            <a:endParaRPr lang="ko-KR" altLang="en-US"/>
           </a:p>
         </p:txBody>
       </p:sp>
@@ -2508,7 +2506,7 @@
           <a:p>
             <a:pPr lvl="0"/>
             <a:r>
-              <a:rPr lang="ko-KR" altLang="en-US" smtClean="0"/>
+              <a:rPr lang="ko-KR" altLang="en-US"/>
               <a:t>마스터 텍스트 스타일을 편집합니다</a:t>
             </a:r>
           </a:p>
@@ -2640,10 +2638,9 @@
           <a:lstStyle/>
           <a:p>
             <a:r>
-              <a:rPr lang="ko-KR" altLang="en-US" smtClean="0"/>
+              <a:rPr lang="ko-KR" altLang="en-US"/>
               <a:t>마스터 제목 스타일 편집</a:t>
             </a:r>
-            <a:endParaRPr lang="ko-KR" altLang="en-US"/>
           </a:p>
         </p:txBody>
       </p:sp>
@@ -2674,38 +2671,37 @@
           <a:p>
             <a:pPr lvl="0"/>
             <a:r>
-              <a:rPr lang="ko-KR" altLang="en-US" smtClean="0"/>
+              <a:rPr lang="ko-KR" altLang="en-US"/>
               <a:t>마스터 텍스트 스타일을 편집합니다</a:t>
             </a:r>
           </a:p>
           <a:p>
             <a:pPr lvl="1"/>
             <a:r>
-              <a:rPr lang="ko-KR" altLang="en-US" smtClean="0"/>
+              <a:rPr lang="ko-KR" altLang="en-US"/>
               <a:t>둘째 수준</a:t>
             </a:r>
           </a:p>
           <a:p>
             <a:pPr lvl="2"/>
             <a:r>
-              <a:rPr lang="ko-KR" altLang="en-US" smtClean="0"/>
+              <a:rPr lang="ko-KR" altLang="en-US"/>
               <a:t>셋째 수준</a:t>
             </a:r>
           </a:p>
           <a:p>
             <a:pPr lvl="3"/>
             <a:r>
-              <a:rPr lang="ko-KR" altLang="en-US" smtClean="0"/>
+              <a:rPr lang="ko-KR" altLang="en-US"/>
               <a:t>넷째 수준</a:t>
             </a:r>
           </a:p>
           <a:p>
             <a:pPr lvl="4"/>
             <a:r>
-              <a:rPr lang="ko-KR" altLang="en-US" smtClean="0"/>
+              <a:rPr lang="ko-KR" altLang="en-US"/>
               <a:t>다섯째 수준</a:t>
             </a:r>
-            <a:endParaRPr lang="ko-KR" altLang="en-US"/>
           </a:p>
         </p:txBody>
       </p:sp>
@@ -3148,16 +3144,12 @@
           <a:lstStyle/>
           <a:p>
             <a:r>
-              <a:rPr lang="ko-KR" altLang="en-US" dirty="0" smtClean="0">
+              <a:rPr lang="ko-KR" altLang="en-US" dirty="0">
                 <a:latin typeface="나눔스퀘어 Bold" pitchFamily="50" charset="-127"/>
                 <a:ea typeface="나눔스퀘어 Bold" pitchFamily="50" charset="-127"/>
               </a:rPr>
               <a:t>맞춤형 학습 도우미</a:t>
             </a:r>
-            <a:endParaRPr lang="ko-KR" altLang="en-US" dirty="0">
-              <a:latin typeface="나눔스퀘어 Bold" pitchFamily="50" charset="-127"/>
-              <a:ea typeface="나눔스퀘어 Bold" pitchFamily="50" charset="-127"/>
-            </a:endParaRPr>
           </a:p>
         </p:txBody>
       </p:sp>
@@ -3184,7 +3176,7 @@
           <a:lstStyle/>
           <a:p>
             <a:r>
-              <a:rPr lang="en-US" altLang="ko-KR" sz="1600" b="1" dirty="0" smtClean="0">
+              <a:rPr lang="en-US" altLang="ko-KR" sz="1600" b="1" dirty="0">
                 <a:solidFill>
                   <a:srgbClr val="F6EFBD"/>
                 </a:solidFill>
@@ -3194,7 +3186,7 @@
               <a:t>Llama</a:t>
             </a:r>
             <a:r>
-              <a:rPr lang="ko-KR" altLang="en-US" sz="1600" b="1" dirty="0" smtClean="0">
+              <a:rPr lang="ko-KR" altLang="en-US" sz="1600" b="1" dirty="0">
                 <a:solidFill>
                   <a:srgbClr val="F6EFBD"/>
                 </a:solidFill>
@@ -3211,17 +3203,7 @@
                 <a:latin typeface="나눔고딕" pitchFamily="50" charset="-127"/>
                 <a:ea typeface="나눔고딕" pitchFamily="50" charset="-127"/>
               </a:rPr>
-              <a:t>챗</a:t>
-            </a:r>
-            <a:r>
-              <a:rPr lang="ko-KR" altLang="en-US" sz="1600" b="1" dirty="0" err="1" smtClean="0">
-                <a:solidFill>
-                  <a:srgbClr val="F6EFBD"/>
-                </a:solidFill>
-                <a:latin typeface="나눔고딕" pitchFamily="50" charset="-127"/>
-                <a:ea typeface="나눔고딕" pitchFamily="50" charset="-127"/>
-              </a:rPr>
-              <a:t>봇</a:t>
+              <a:t>챗봇</a:t>
             </a:r>
             <a:endParaRPr lang="ko-KR" altLang="en-US" sz="1600" b="1" dirty="0">
               <a:solidFill>
@@ -3416,7 +3398,7 @@
               </a:lnSpc>
             </a:pPr>
             <a:r>
-              <a:rPr lang="en-US" altLang="ko-KR" sz="1200" b="1" dirty="0" smtClean="0">
+              <a:rPr lang="en-US" altLang="ko-KR" sz="1200" b="1" dirty="0">
                 <a:solidFill>
                   <a:schemeClr val="bg1"/>
                 </a:solidFill>
@@ -3426,7 +3408,7 @@
               <a:t>5</a:t>
             </a:r>
             <a:r>
-              <a:rPr lang="ko-KR" altLang="en-US" sz="1200" b="1" dirty="0" smtClean="0">
+              <a:rPr lang="ko-KR" altLang="en-US" sz="1200" b="1" dirty="0">
                 <a:solidFill>
                   <a:schemeClr val="bg1"/>
                 </a:solidFill>
@@ -3435,7 +3417,7 @@
               </a:rPr>
               <a:t>조</a:t>
             </a:r>
-            <a:endParaRPr lang="en-US" altLang="ko-KR" sz="1200" b="1" dirty="0" smtClean="0">
+            <a:endParaRPr lang="en-US" altLang="ko-KR" sz="1200" b="1" dirty="0">
               <a:solidFill>
                 <a:schemeClr val="bg1"/>
               </a:solidFill>
@@ -3450,7 +3432,7 @@
               </a:lnSpc>
             </a:pPr>
             <a:r>
-              <a:rPr lang="ko-KR" altLang="en-US" sz="1000" b="1" dirty="0" smtClean="0">
+              <a:rPr lang="ko-KR" altLang="en-US" sz="1000" b="1" dirty="0">
                 <a:solidFill>
                   <a:srgbClr val="BC7C7C"/>
                 </a:solidFill>
@@ -3458,78 +3440,6 @@
                 <a:ea typeface="나눔고딕" pitchFamily="50" charset="-127"/>
               </a:rPr>
               <a:t>문동재</a:t>
-            </a:r>
-            <a:endParaRPr lang="en-US" altLang="ko-KR" sz="1000" b="1" dirty="0" smtClean="0">
-              <a:solidFill>
-                <a:srgbClr val="BC7C7C"/>
-              </a:solidFill>
-              <a:latin typeface="나눔고딕" pitchFamily="50" charset="-127"/>
-              <a:ea typeface="나눔고딕" pitchFamily="50" charset="-127"/>
-            </a:endParaRPr>
-          </a:p>
-          <a:p>
-            <a:pPr>
-              <a:lnSpc>
-                <a:spcPct val="120000"/>
-              </a:lnSpc>
-            </a:pPr>
-            <a:r>
-              <a:rPr lang="ko-KR" altLang="en-US" sz="1000" b="1" dirty="0" smtClean="0">
-                <a:solidFill>
-                  <a:srgbClr val="BC7C7C"/>
-                </a:solidFill>
-                <a:latin typeface="나눔고딕" pitchFamily="50" charset="-127"/>
-                <a:ea typeface="나눔고딕" pitchFamily="50" charset="-127"/>
-              </a:rPr>
-              <a:t>이원준</a:t>
-            </a:r>
-            <a:endParaRPr lang="en-US" altLang="ko-KR" sz="1000" b="1" dirty="0" smtClean="0">
-              <a:solidFill>
-                <a:srgbClr val="BC7C7C"/>
-              </a:solidFill>
-              <a:latin typeface="나눔고딕" pitchFamily="50" charset="-127"/>
-              <a:ea typeface="나눔고딕" pitchFamily="50" charset="-127"/>
-            </a:endParaRPr>
-          </a:p>
-          <a:p>
-            <a:pPr>
-              <a:lnSpc>
-                <a:spcPct val="120000"/>
-              </a:lnSpc>
-            </a:pPr>
-            <a:r>
-              <a:rPr lang="ko-KR" altLang="en-US" sz="1000" b="1" dirty="0" smtClean="0">
-                <a:solidFill>
-                  <a:srgbClr val="BC7C7C"/>
-                </a:solidFill>
-                <a:latin typeface="나눔고딕" pitchFamily="50" charset="-127"/>
-                <a:ea typeface="나눔고딕" pitchFamily="50" charset="-127"/>
-              </a:rPr>
-              <a:t>정재헌</a:t>
-            </a:r>
-            <a:endParaRPr lang="en-US" altLang="ko-KR" sz="1000" b="1" dirty="0" smtClean="0">
-              <a:solidFill>
-                <a:srgbClr val="BC7C7C"/>
-              </a:solidFill>
-              <a:latin typeface="나눔고딕" pitchFamily="50" charset="-127"/>
-              <a:ea typeface="나눔고딕" pitchFamily="50" charset="-127"/>
-            </a:endParaRPr>
-          </a:p>
-          <a:p>
-            <a:pPr>
-              <a:lnSpc>
-                <a:spcPct val="120000"/>
-              </a:lnSpc>
-            </a:pPr>
-            <a:r>
-              <a:rPr lang="ko-KR" altLang="en-US" sz="1000" b="1" dirty="0" smtClean="0">
-                <a:solidFill>
-                  <a:srgbClr val="BC7C7C"/>
-                </a:solidFill>
-                <a:latin typeface="나눔고딕" pitchFamily="50" charset="-127"/>
-                <a:ea typeface="나눔고딕" pitchFamily="50" charset="-127"/>
-              </a:rPr>
-              <a:t>민경민</a:t>
             </a:r>
             <a:endParaRPr lang="en-US" altLang="ko-KR" sz="1000" b="1" dirty="0">
               <a:solidFill>
@@ -3546,32 +3456,97 @@
               </a:lnSpc>
             </a:pPr>
             <a:r>
-              <a:rPr lang="ko-KR" altLang="en-US" sz="1000" b="1" dirty="0" smtClean="0">
+              <a:rPr lang="ko-KR" altLang="en-US" sz="1000" b="1" dirty="0">
                 <a:solidFill>
                   <a:srgbClr val="BC7C7C"/>
                 </a:solidFill>
                 <a:latin typeface="나눔고딕" pitchFamily="50" charset="-127"/>
                 <a:ea typeface="나눔고딕" pitchFamily="50" charset="-127"/>
               </a:rPr>
-              <a:t>김광현</a:t>
-            </a:r>
-            <a:r>
-              <a:rPr lang="ko-KR" altLang="en-US" sz="1000" dirty="0" smtClean="0">
-                <a:solidFill>
-                  <a:srgbClr val="BC7C7C"/>
-                </a:solidFill>
-                <a:latin typeface="나눔고딕" pitchFamily="50" charset="-127"/>
-                <a:ea typeface="나눔고딕" pitchFamily="50" charset="-127"/>
-              </a:rPr>
-              <a:t> </a:t>
-            </a:r>
-            <a:endParaRPr lang="ko-KR" altLang="en-US" sz="1000" dirty="0">
+              <a:t>이원준</a:t>
+            </a:r>
+            <a:endParaRPr lang="en-US" altLang="ko-KR" sz="1000" b="1" dirty="0">
               <a:solidFill>
                 <a:srgbClr val="BC7C7C"/>
               </a:solidFill>
               <a:latin typeface="나눔고딕" pitchFamily="50" charset="-127"/>
               <a:ea typeface="나눔고딕" pitchFamily="50" charset="-127"/>
             </a:endParaRPr>
+          </a:p>
+          <a:p>
+            <a:pPr>
+              <a:lnSpc>
+                <a:spcPct val="120000"/>
+              </a:lnSpc>
+            </a:pPr>
+            <a:r>
+              <a:rPr lang="ko-KR" altLang="en-US" sz="1000" b="1" dirty="0">
+                <a:solidFill>
+                  <a:srgbClr val="BC7C7C"/>
+                </a:solidFill>
+                <a:latin typeface="나눔고딕" pitchFamily="50" charset="-127"/>
+                <a:ea typeface="나눔고딕" pitchFamily="50" charset="-127"/>
+              </a:rPr>
+              <a:t>정재헌</a:t>
+            </a:r>
+            <a:endParaRPr lang="en-US" altLang="ko-KR" sz="1000" b="1" dirty="0">
+              <a:solidFill>
+                <a:srgbClr val="BC7C7C"/>
+              </a:solidFill>
+              <a:latin typeface="나눔고딕" pitchFamily="50" charset="-127"/>
+              <a:ea typeface="나눔고딕" pitchFamily="50" charset="-127"/>
+            </a:endParaRPr>
+          </a:p>
+          <a:p>
+            <a:pPr>
+              <a:lnSpc>
+                <a:spcPct val="120000"/>
+              </a:lnSpc>
+            </a:pPr>
+            <a:r>
+              <a:rPr lang="ko-KR" altLang="en-US" sz="1000" b="1" dirty="0">
+                <a:solidFill>
+                  <a:srgbClr val="BC7C7C"/>
+                </a:solidFill>
+                <a:latin typeface="나눔고딕" pitchFamily="50" charset="-127"/>
+                <a:ea typeface="나눔고딕" pitchFamily="50" charset="-127"/>
+              </a:rPr>
+              <a:t>민경민</a:t>
+            </a:r>
+            <a:endParaRPr lang="en-US" altLang="ko-KR" sz="1000" b="1" dirty="0">
+              <a:solidFill>
+                <a:srgbClr val="BC7C7C"/>
+              </a:solidFill>
+              <a:latin typeface="나눔고딕" pitchFamily="50" charset="-127"/>
+              <a:ea typeface="나눔고딕" pitchFamily="50" charset="-127"/>
+            </a:endParaRPr>
+          </a:p>
+          <a:p>
+            <a:pPr>
+              <a:lnSpc>
+                <a:spcPct val="120000"/>
+              </a:lnSpc>
+            </a:pPr>
+            <a:r>
+              <a:rPr lang="ko-KR" altLang="en-US" sz="1000" b="1" dirty="0">
+                <a:solidFill>
+                  <a:srgbClr val="BC7C7C"/>
+                </a:solidFill>
+                <a:latin typeface="나눔고딕" pitchFamily="50" charset="-127"/>
+                <a:ea typeface="나눔고딕" pitchFamily="50" charset="-127"/>
+              </a:rPr>
+              <a:t>김광현</a:t>
+            </a:r>
+            <a:r>
+              <a:rPr lang="ko-KR" altLang="en-US" sz="1000" dirty="0">
+                <a:solidFill>
+                  <a:srgbClr val="BC7C7C"/>
+                </a:solidFill>
+                <a:latin typeface="나눔고딕" pitchFamily="50" charset="-127"/>
+                <a:ea typeface="나눔고딕" pitchFamily="50" charset="-127"/>
+              </a:rPr>
+              <a:t> </a:t>
+            </a:r>
           </a:p>
         </p:txBody>
       </p:sp>
@@ -3615,13 +3590,6 @@
   <p:clrMapOvr>
     <a:masterClrMapping/>
   </p:clrMapOvr>
-  <p:timing>
-    <p:tnLst>
-      <p:par>
-        <p:cTn id="1" dur="indefinite" restart="never" nodeType="tmRoot"/>
-      </p:par>
-    </p:tnLst>
-  </p:timing>
 </p:sld>
 </file>
 
@@ -3673,7 +3641,7 @@
           <a:lstStyle/>
           <a:p>
             <a:r>
-              <a:rPr lang="ko-KR" altLang="en-US" sz="3200" dirty="0" smtClean="0">
+              <a:rPr lang="ko-KR" altLang="en-US" sz="3200" dirty="0">
                 <a:solidFill>
                   <a:schemeClr val="accent5">
                     <a:lumMod val="75000"/>
@@ -3685,7 +3653,7 @@
               <a:t>모델 훈련</a:t>
             </a:r>
             <a:r>
-              <a:rPr lang="en-US" altLang="ko-KR" sz="3200" dirty="0" smtClean="0">
+              <a:rPr lang="en-US" altLang="ko-KR" sz="3200" dirty="0">
                 <a:solidFill>
                   <a:schemeClr val="accent5">
                     <a:lumMod val="75000"/>
@@ -3697,7 +3665,7 @@
               <a:t> </a:t>
             </a:r>
             <a:r>
-              <a:rPr lang="ko-KR" altLang="en-US" sz="3200" dirty="0" smtClean="0">
+              <a:rPr lang="ko-KR" altLang="en-US" sz="3200" dirty="0">
                 <a:solidFill>
                   <a:schemeClr val="accent5">
                     <a:lumMod val="75000"/>
@@ -3708,15 +3676,6 @@
               </a:rPr>
               <a:t>수정</a:t>
             </a:r>
-            <a:endParaRPr lang="ko-KR" altLang="en-US" sz="3200" dirty="0">
-              <a:solidFill>
-                <a:schemeClr val="accent5">
-                  <a:lumMod val="75000"/>
-                </a:schemeClr>
-              </a:solidFill>
-              <a:latin typeface="나눔스퀘어 Bold" pitchFamily="50" charset="-127"/>
-              <a:ea typeface="나눔스퀘어 Bold" pitchFamily="50" charset="-127"/>
-            </a:endParaRPr>
           </a:p>
         </p:txBody>
       </p:sp>
@@ -3749,7 +3708,7 @@
               <a:t>프로젝트  실행 과정 </a:t>
             </a:r>
             <a:r>
-              <a:rPr lang="en-US" altLang="ko-KR" sz="1400" dirty="0" smtClean="0">
+              <a:rPr lang="en-US" altLang="ko-KR" sz="1400" dirty="0">
                 <a:latin typeface="나눔스퀘어 Bold" pitchFamily="50" charset="-127"/>
                 <a:ea typeface="나눔스퀘어 Bold" pitchFamily="50" charset="-127"/>
               </a:rPr>
@@ -3833,13 +3792,6 @@
   <p:clrMapOvr>
     <a:masterClrMapping/>
   </p:clrMapOvr>
-  <p:timing>
-    <p:tnLst>
-      <p:par>
-        <p:cTn id="1" dur="indefinite" restart="never" nodeType="tmRoot"/>
-      </p:par>
-    </p:tnLst>
-  </p:timing>
 </p:sld>
 </file>
 
@@ -3897,7 +3849,7 @@
               <a:t>프로젝트  실행 과정 </a:t>
             </a:r>
             <a:r>
-              <a:rPr lang="en-US" altLang="ko-KR" sz="1400" dirty="0" smtClean="0">
+              <a:rPr lang="en-US" altLang="ko-KR" sz="1400" dirty="0">
                 <a:latin typeface="나눔스퀘어 Bold" pitchFamily="50" charset="-127"/>
                 <a:ea typeface="나눔스퀘어 Bold" pitchFamily="50" charset="-127"/>
               </a:rPr>
@@ -3947,13 +3899,6 @@
   <p:clrMapOvr>
     <a:masterClrMapping/>
   </p:clrMapOvr>
-  <p:timing>
-    <p:tnLst>
-      <p:par>
-        <p:cTn id="1" dur="indefinite" restart="never" nodeType="tmRoot"/>
-      </p:par>
-    </p:tnLst>
-  </p:timing>
 </p:sld>
 </file>
 
@@ -4035,7 +3980,7 @@
           <a:lstStyle/>
           <a:p>
             <a:r>
-              <a:rPr lang="en-US" altLang="ko-KR" sz="3200" dirty="0" err="1" smtClean="0">
+              <a:rPr lang="en-US" altLang="ko-KR" sz="3200" dirty="0" err="1">
                 <a:solidFill>
                   <a:srgbClr val="F6EFBD"/>
                 </a:solidFill>
@@ -4045,7 +3990,7 @@
               <a:t>Msty</a:t>
             </a:r>
             <a:r>
-              <a:rPr lang="en-US" altLang="ko-KR" sz="3200" dirty="0" smtClean="0">
+              <a:rPr lang="en-US" altLang="ko-KR" sz="3200" dirty="0">
                 <a:solidFill>
                   <a:srgbClr val="F6EFBD"/>
                 </a:solidFill>
@@ -4055,7 +4000,7 @@
               <a:t> </a:t>
             </a:r>
             <a:r>
-              <a:rPr lang="ko-KR" altLang="en-US" sz="3200" dirty="0" smtClean="0">
+              <a:rPr lang="ko-KR" altLang="en-US" sz="3200" dirty="0">
                 <a:solidFill>
                   <a:srgbClr val="F6EFBD"/>
                 </a:solidFill>
@@ -4064,13 +4009,6 @@
               </a:rPr>
               <a:t>모듈 불러오기</a:t>
             </a:r>
-            <a:endParaRPr lang="ko-KR" altLang="en-US" sz="3200" dirty="0">
-              <a:solidFill>
-                <a:srgbClr val="F6EFBD"/>
-              </a:solidFill>
-              <a:latin typeface="나눔스퀘어 Bold" pitchFamily="50" charset="-127"/>
-              <a:ea typeface="나눔스퀘어 Bold" pitchFamily="50" charset="-127"/>
-            </a:endParaRPr>
           </a:p>
         </p:txBody>
       </p:sp>
@@ -4103,7 +4041,7 @@
               <a:t>프로젝트  실행 과정 </a:t>
             </a:r>
             <a:r>
-              <a:rPr lang="en-US" altLang="ko-KR" sz="1400" dirty="0" smtClean="0">
+              <a:rPr lang="en-US" altLang="ko-KR" sz="1400" dirty="0">
                 <a:latin typeface="나눔스퀘어 Bold" pitchFamily="50" charset="-127"/>
                 <a:ea typeface="나눔스퀘어 Bold" pitchFamily="50" charset="-127"/>
               </a:rPr>
@@ -4123,13 +4061,6 @@
   <p:clrMapOvr>
     <a:masterClrMapping/>
   </p:clrMapOvr>
-  <p:timing>
-    <p:tnLst>
-      <p:par>
-        <p:cTn id="1" dur="indefinite" restart="never" nodeType="tmRoot"/>
-      </p:par>
-    </p:tnLst>
-  </p:timing>
 </p:sld>
 </file>
 
@@ -4181,7 +4112,7 @@
           <a:lstStyle/>
           <a:p>
             <a:r>
-              <a:rPr lang="en-US" altLang="ko-KR" sz="3200" dirty="0" err="1" smtClean="0">
+              <a:rPr lang="en-US" altLang="ko-KR" sz="3200" dirty="0" err="1">
                 <a:solidFill>
                   <a:srgbClr val="F6EFBD"/>
                 </a:solidFill>
@@ -4191,7 +4122,7 @@
               <a:t>Msty</a:t>
             </a:r>
             <a:r>
-              <a:rPr lang="en-US" altLang="ko-KR" sz="3200" dirty="0" smtClean="0">
+              <a:rPr lang="en-US" altLang="ko-KR" sz="3200" dirty="0">
                 <a:solidFill>
                   <a:srgbClr val="F6EFBD"/>
                 </a:solidFill>
@@ -4201,7 +4132,7 @@
               <a:t> </a:t>
             </a:r>
             <a:r>
-              <a:rPr lang="ko-KR" altLang="en-US" sz="3200" dirty="0" smtClean="0">
+              <a:rPr lang="ko-KR" altLang="en-US" sz="3200" dirty="0">
                 <a:solidFill>
                   <a:srgbClr val="F6EFBD"/>
                 </a:solidFill>
@@ -4210,13 +4141,6 @@
               </a:rPr>
               <a:t>모듈 불러오기</a:t>
             </a:r>
-            <a:endParaRPr lang="ko-KR" altLang="en-US" sz="3200" dirty="0">
-              <a:solidFill>
-                <a:srgbClr val="F6EFBD"/>
-              </a:solidFill>
-              <a:latin typeface="나눔스퀘어 Bold" pitchFamily="50" charset="-127"/>
-              <a:ea typeface="나눔스퀘어 Bold" pitchFamily="50" charset="-127"/>
-            </a:endParaRPr>
           </a:p>
         </p:txBody>
       </p:sp>
@@ -4249,7 +4173,7 @@
               <a:t>프로젝트  실행 과정 </a:t>
             </a:r>
             <a:r>
-              <a:rPr lang="en-US" altLang="ko-KR" sz="1400" dirty="0" smtClean="0">
+              <a:rPr lang="en-US" altLang="ko-KR" sz="1400" dirty="0">
                 <a:latin typeface="나눔스퀘어 Bold" pitchFamily="50" charset="-127"/>
                 <a:ea typeface="나눔스퀘어 Bold" pitchFamily="50" charset="-127"/>
               </a:rPr>
@@ -4383,13 +4307,6 @@
   <p:clrMapOvr>
     <a:masterClrMapping/>
   </p:clrMapOvr>
-  <p:timing>
-    <p:tnLst>
-      <p:par>
-        <p:cTn id="1" dur="indefinite" restart="never" nodeType="tmRoot"/>
-      </p:par>
-    </p:tnLst>
-  </p:timing>
 </p:sld>
 </file>
 
@@ -4441,7 +4358,7 @@
           <a:lstStyle/>
           <a:p>
             <a:r>
-              <a:rPr lang="en-US" altLang="ko-KR" sz="3200" dirty="0" err="1" smtClean="0">
+              <a:rPr lang="en-US" altLang="ko-KR" sz="3200" dirty="0" err="1">
                 <a:solidFill>
                   <a:srgbClr val="F6EFBD"/>
                 </a:solidFill>
@@ -4451,7 +4368,7 @@
               <a:t>Msty</a:t>
             </a:r>
             <a:r>
-              <a:rPr lang="en-US" altLang="ko-KR" sz="3200" dirty="0" smtClean="0">
+              <a:rPr lang="en-US" altLang="ko-KR" sz="3200" dirty="0">
                 <a:solidFill>
                   <a:srgbClr val="F6EFBD"/>
                 </a:solidFill>
@@ -4461,7 +4378,7 @@
               <a:t> </a:t>
             </a:r>
             <a:r>
-              <a:rPr lang="ko-KR" altLang="en-US" sz="3200" dirty="0" smtClean="0">
+              <a:rPr lang="ko-KR" altLang="en-US" sz="3200" dirty="0">
                 <a:solidFill>
                   <a:srgbClr val="F6EFBD"/>
                 </a:solidFill>
@@ -4470,13 +4387,6 @@
               </a:rPr>
               <a:t>모듈 불러오기</a:t>
             </a:r>
-            <a:endParaRPr lang="ko-KR" altLang="en-US" sz="3200" dirty="0">
-              <a:solidFill>
-                <a:srgbClr val="F6EFBD"/>
-              </a:solidFill>
-              <a:latin typeface="나눔스퀘어 Bold" pitchFamily="50" charset="-127"/>
-              <a:ea typeface="나눔스퀘어 Bold" pitchFamily="50" charset="-127"/>
-            </a:endParaRPr>
           </a:p>
         </p:txBody>
       </p:sp>
@@ -4506,17 +4416,10 @@
                 <a:latin typeface="나눔스퀘어 Bold" pitchFamily="50" charset="-127"/>
                 <a:ea typeface="나눔스퀘어 Bold" pitchFamily="50" charset="-127"/>
               </a:rPr>
-              <a:t>프로젝트  실행 </a:t>
-            </a:r>
-            <a:r>
-              <a:rPr lang="ko-KR" altLang="en-US" sz="1400" dirty="0" smtClean="0">
-                <a:latin typeface="나눔스퀘어 Bold" pitchFamily="50" charset="-127"/>
-                <a:ea typeface="나눔스퀘어 Bold" pitchFamily="50" charset="-127"/>
-              </a:rPr>
-              <a:t>과정 </a:t>
-            </a:r>
-            <a:r>
-              <a:rPr lang="en-US" altLang="ko-KR" sz="1400" dirty="0" smtClean="0">
+              <a:t>프로젝트  실행 과정 </a:t>
+            </a:r>
+            <a:r>
+              <a:rPr lang="en-US" altLang="ko-KR" sz="1400" dirty="0">
                 <a:latin typeface="나눔스퀘어 Bold" pitchFamily="50" charset="-127"/>
                 <a:ea typeface="나눔스퀘어 Bold" pitchFamily="50" charset="-127"/>
               </a:rPr>
@@ -4600,13 +4503,6 @@
   <p:clrMapOvr>
     <a:masterClrMapping/>
   </p:clrMapOvr>
-  <p:timing>
-    <p:tnLst>
-      <p:par>
-        <p:cTn id="1" dur="indefinite" restart="never" nodeType="tmRoot"/>
-      </p:par>
-    </p:tnLst>
-  </p:timing>
 </p:sld>
 </file>
 
@@ -4658,7 +4554,7 @@
           <a:lstStyle/>
           <a:p>
             <a:r>
-              <a:rPr lang="ko-KR" altLang="en-US" sz="3200" dirty="0" smtClean="0">
+              <a:rPr lang="ko-KR" altLang="en-US" sz="3200" dirty="0">
                 <a:solidFill>
                   <a:srgbClr val="CB6040"/>
                 </a:solidFill>
@@ -4668,7 +4564,7 @@
               <a:t>모듈 실행 </a:t>
             </a:r>
             <a:r>
-              <a:rPr lang="en-US" altLang="ko-KR" sz="3200" dirty="0" smtClean="0">
+              <a:rPr lang="en-US" altLang="ko-KR" sz="3200" dirty="0">
                 <a:solidFill>
                   <a:srgbClr val="CB6040"/>
                 </a:solidFill>
@@ -4713,17 +4609,10 @@
                 <a:latin typeface="나눔스퀘어 Bold" pitchFamily="50" charset="-127"/>
                 <a:ea typeface="나눔스퀘어 Bold" pitchFamily="50" charset="-127"/>
               </a:rPr>
-              <a:t>프로젝트  실행 </a:t>
-            </a:r>
-            <a:r>
-              <a:rPr lang="ko-KR" altLang="en-US" sz="1400" dirty="0" smtClean="0">
-                <a:latin typeface="나눔스퀘어 Bold" pitchFamily="50" charset="-127"/>
-                <a:ea typeface="나눔스퀘어 Bold" pitchFamily="50" charset="-127"/>
-              </a:rPr>
-              <a:t>과정 </a:t>
-            </a:r>
-            <a:r>
-              <a:rPr lang="en-US" altLang="ko-KR" sz="1400" dirty="0" smtClean="0">
+              <a:t>프로젝트  실행 과정 </a:t>
+            </a:r>
+            <a:r>
+              <a:rPr lang="en-US" altLang="ko-KR" sz="1400" dirty="0">
                 <a:latin typeface="나눔스퀘어 Bold" pitchFamily="50" charset="-127"/>
                 <a:ea typeface="나눔스퀘어 Bold" pitchFamily="50" charset="-127"/>
               </a:rPr>
@@ -4807,13 +4696,6 @@
   <p:clrMapOvr>
     <a:masterClrMapping/>
   </p:clrMapOvr>
-  <p:timing>
-    <p:tnLst>
-      <p:par>
-        <p:cTn id="1" dur="indefinite" restart="never" nodeType="tmRoot"/>
-      </p:par>
-    </p:tnLst>
-  </p:timing>
 </p:sld>
 </file>
 
@@ -4865,7 +4747,7 @@
           <a:lstStyle/>
           <a:p>
             <a:r>
-              <a:rPr lang="ko-KR" altLang="en-US" sz="3200" dirty="0" smtClean="0">
+              <a:rPr lang="ko-KR" altLang="en-US" sz="3200" dirty="0">
                 <a:solidFill>
                   <a:srgbClr val="CB6040"/>
                 </a:solidFill>
@@ -4875,7 +4757,7 @@
               <a:t>모듈 실행 </a:t>
             </a:r>
             <a:r>
-              <a:rPr lang="en-US" altLang="ko-KR" sz="3200" dirty="0" smtClean="0">
+              <a:rPr lang="en-US" altLang="ko-KR" sz="3200" dirty="0">
                 <a:solidFill>
                   <a:srgbClr val="CB6040"/>
                 </a:solidFill>
@@ -4920,17 +4802,10 @@
                 <a:latin typeface="나눔스퀘어 Bold" pitchFamily="50" charset="-127"/>
                 <a:ea typeface="나눔스퀘어 Bold" pitchFamily="50" charset="-127"/>
               </a:rPr>
-              <a:t>프로젝트  실행 </a:t>
-            </a:r>
-            <a:r>
-              <a:rPr lang="ko-KR" altLang="en-US" sz="1400" dirty="0" smtClean="0">
-                <a:latin typeface="나눔스퀘어 Bold" pitchFamily="50" charset="-127"/>
-                <a:ea typeface="나눔스퀘어 Bold" pitchFamily="50" charset="-127"/>
-              </a:rPr>
-              <a:t>과정 </a:t>
-            </a:r>
-            <a:r>
-              <a:rPr lang="en-US" altLang="ko-KR" sz="1400" dirty="0" smtClean="0">
+              <a:t>프로젝트  실행 과정 </a:t>
+            </a:r>
+            <a:r>
+              <a:rPr lang="en-US" altLang="ko-KR" sz="1400" dirty="0">
                 <a:latin typeface="나눔스퀘어 Bold" pitchFamily="50" charset="-127"/>
                 <a:ea typeface="나눔스퀘어 Bold" pitchFamily="50" charset="-127"/>
               </a:rPr>
@@ -5112,7 +4987,7 @@
               </a:lnSpc>
             </a:pPr>
             <a:r>
-              <a:rPr lang="ko-KR" altLang="en-US" sz="2400" dirty="0" smtClean="0">
+              <a:rPr lang="ko-KR" altLang="en-US" sz="2400" dirty="0">
                 <a:solidFill>
                   <a:schemeClr val="tx1">
                     <a:lumMod val="65000"/>
@@ -5125,7 +5000,7 @@
               <a:t>생성이 무한히 진행되는 걸 방지하는 </a:t>
             </a:r>
             <a:r>
-              <a:rPr lang="en-US" altLang="ko-KR" sz="2400" dirty="0" err="1" smtClean="0">
+              <a:rPr lang="en-US" altLang="ko-KR" sz="2400" dirty="0" err="1">
                 <a:solidFill>
                   <a:schemeClr val="tx1">
                     <a:lumMod val="65000"/>
@@ -5138,7 +5013,7 @@
               <a:t>tokenizer</a:t>
             </a:r>
             <a:r>
-              <a:rPr lang="en-US" altLang="ko-KR" sz="2400" dirty="0" smtClean="0">
+              <a:rPr lang="en-US" altLang="ko-KR" sz="2400" dirty="0">
                 <a:solidFill>
                   <a:schemeClr val="tx1">
                     <a:lumMod val="65000"/>
@@ -5151,7 +5026,7 @@
               <a:t> </a:t>
             </a:r>
             <a:r>
-              <a:rPr lang="ko-KR" altLang="en-US" sz="2400" dirty="0" smtClean="0">
+              <a:rPr lang="ko-KR" altLang="en-US" sz="2400" dirty="0">
                 <a:solidFill>
                   <a:schemeClr val="tx1">
                     <a:lumMod val="65000"/>
@@ -5163,16 +5038,6 @@
               </a:rPr>
               <a:t>기능이 작동되지 않음</a:t>
             </a:r>
-            <a:endParaRPr lang="ko-KR" altLang="en-US" sz="2400" dirty="0">
-              <a:solidFill>
-                <a:schemeClr val="tx1">
-                  <a:lumMod val="65000"/>
-                  <a:lumOff val="35000"/>
-                </a:schemeClr>
-              </a:solidFill>
-              <a:latin typeface="나눔스퀘어 Bold" pitchFamily="50" charset="-127"/>
-              <a:ea typeface="나눔스퀘어 Bold" pitchFamily="50" charset="-127"/>
-            </a:endParaRPr>
           </a:p>
         </p:txBody>
       </p:sp>
@@ -5186,13 +5051,6 @@
   <p:clrMapOvr>
     <a:masterClrMapping/>
   </p:clrMapOvr>
-  <p:timing>
-    <p:tnLst>
-      <p:par>
-        <p:cTn id="1" dur="indefinite" restart="never" nodeType="tmRoot"/>
-      </p:par>
-    </p:tnLst>
-  </p:timing>
 </p:sld>
 </file>
 
@@ -5223,7 +5081,13 @@
       </p:grpSpPr>
       <p:sp>
         <p:nvSpPr>
-          <p:cNvPr id="2" name="직사각형 1"/>
+          <p:cNvPr id="4" name="직사각형 3">
+            <a:extLst>
+              <a:ext uri="{FF2B5EF4-FFF2-40B4-BE49-F238E27FC236}">
+                <a16:creationId xmlns:a16="http://schemas.microsoft.com/office/drawing/2014/main" id="{C48A60A7-C3FE-4E44-A5E4-9EEE3E1B42ED}"/>
+              </a:ext>
+            </a:extLst>
+          </p:cNvPr>
           <p:cNvSpPr/>
           <p:nvPr/>
         </p:nvSpPr>
@@ -5247,20 +5111,13 @@
                 <a:latin typeface="나눔스퀘어 Bold" pitchFamily="50" charset="-127"/>
                 <a:ea typeface="나눔스퀘어 Bold" pitchFamily="50" charset="-127"/>
               </a:rPr>
-              <a:t>프로젝트  </a:t>
-            </a:r>
-            <a:r>
-              <a:rPr lang="ko-KR" altLang="en-US" sz="1400" dirty="0" smtClean="0">
+              <a:t>프로젝트  실행 과정 </a:t>
+            </a:r>
+            <a:r>
+              <a:rPr lang="en-US" altLang="ko-KR" sz="1400" dirty="0">
                 <a:latin typeface="나눔스퀘어 Bold" pitchFamily="50" charset="-127"/>
                 <a:ea typeface="나눔스퀘어 Bold" pitchFamily="50" charset="-127"/>
               </a:rPr>
-              <a:t>실행 과정 </a:t>
-            </a:r>
-            <a:r>
-              <a:rPr lang="en-US" altLang="ko-KR" sz="1400" dirty="0" smtClean="0">
-                <a:latin typeface="나눔스퀘어 Bold" pitchFamily="50" charset="-127"/>
-                <a:ea typeface="나눔스퀘어 Bold" pitchFamily="50" charset="-127"/>
-              </a:rPr>
               <a:t>14</a:t>
             </a:r>
             <a:endParaRPr lang="ko-KR" altLang="en-US" sz="1400" dirty="0"/>
@@ -5269,7 +5126,13 @@
       </p:sp>
       <p:sp>
         <p:nvSpPr>
-          <p:cNvPr id="5" name="제목 1"/>
+          <p:cNvPr id="5" name="제목 1">
+            <a:extLst>
+              <a:ext uri="{FF2B5EF4-FFF2-40B4-BE49-F238E27FC236}">
+                <a16:creationId xmlns:a16="http://schemas.microsoft.com/office/drawing/2014/main" id="{5F475478-336B-46DE-A6A4-D25B97D72897}"/>
+              </a:ext>
+            </a:extLst>
+          </p:cNvPr>
           <p:cNvSpPr txBox="1">
             <a:spLocks/>
           </p:cNvSpPr>
@@ -5306,43 +5169,99 @@
           </a:lstStyle>
           <a:p>
             <a:r>
-              <a:rPr lang="ko-KR" altLang="en-US" sz="3600" dirty="0" smtClean="0">
+              <a:rPr lang="ko-KR" altLang="en-US" sz="3600" dirty="0">
                 <a:latin typeface="나눔스퀘어 Bold" pitchFamily="50" charset="-127"/>
                 <a:ea typeface="나눔스퀘어 Bold" pitchFamily="50" charset="-127"/>
               </a:rPr>
               <a:t>과학</a:t>
             </a:r>
-            <a:endParaRPr lang="ko-KR" altLang="en-US" sz="3600" dirty="0">
-              <a:latin typeface="나눔스퀘어 Bold" pitchFamily="50" charset="-127"/>
-              <a:ea typeface="나눔스퀘어 Bold" pitchFamily="50" charset="-127"/>
-            </a:endParaRPr>
+          </a:p>
+        </p:txBody>
+      </p:sp>
+      <p:sp>
+        <p:nvSpPr>
+          <p:cNvPr id="7" name="TextBox 6">
+            <a:extLst>
+              <a:ext uri="{FF2B5EF4-FFF2-40B4-BE49-F238E27FC236}">
+                <a16:creationId xmlns:a16="http://schemas.microsoft.com/office/drawing/2014/main" id="{62C5EB19-F2A0-4856-BD57-9704CB983F8A}"/>
+              </a:ext>
+            </a:extLst>
+          </p:cNvPr>
+          <p:cNvSpPr txBox="1"/>
+          <p:nvPr/>
+        </p:nvSpPr>
+        <p:spPr>
+          <a:xfrm>
+            <a:off x="107504" y="555526"/>
+            <a:ext cx="3024336" cy="646331"/>
+          </a:xfrm>
+          <a:prstGeom prst="rect">
+            <a:avLst/>
+          </a:prstGeom>
+          <a:noFill/>
+        </p:spPr>
+        <p:txBody>
+          <a:bodyPr wrap="square" rtlCol="0">
+            <a:spAutoFit/>
+          </a:bodyPr>
+          <a:lstStyle/>
+          <a:p>
+            <a:r>
+              <a:rPr lang="ko-KR" altLang="en-US" dirty="0" err="1"/>
+              <a:t>뤼튼을</a:t>
+            </a:r>
+            <a:r>
+              <a:rPr lang="ko-KR" altLang="en-US" dirty="0"/>
+              <a:t> 이용한 질의응답 </a:t>
+            </a:r>
+            <a:r>
+              <a:rPr lang="en-US" altLang="ko-KR" dirty="0"/>
+              <a:t>csv </a:t>
+            </a:r>
+            <a:r>
+              <a:rPr lang="ko-KR" altLang="en-US" dirty="0"/>
+              <a:t>작성</a:t>
+            </a:r>
+            <a:r>
+              <a:rPr lang="en-US" altLang="ko-KR" dirty="0"/>
+              <a:t>(90</a:t>
+            </a:r>
+            <a:r>
+              <a:rPr lang="ko-KR" altLang="en-US" dirty="0"/>
+              <a:t>문항</a:t>
+            </a:r>
+            <a:r>
+              <a:rPr lang="en-US" altLang="ko-KR" dirty="0"/>
+              <a:t>)</a:t>
+            </a:r>
+            <a:endParaRPr lang="ko-KR" altLang="en-US" dirty="0"/>
           </a:p>
         </p:txBody>
       </p:sp>
       <p:pic>
         <p:nvPicPr>
-          <p:cNvPr id="4" name="그림 3"/>
+          <p:cNvPr id="8" name="그림 7">
+            <a:extLst>
+              <a:ext uri="{FF2B5EF4-FFF2-40B4-BE49-F238E27FC236}">
+                <a16:creationId xmlns:a16="http://schemas.microsoft.com/office/drawing/2014/main" id="{3A77BB03-3A02-42CC-9E1A-F33966F53817}"/>
+              </a:ext>
+            </a:extLst>
+          </p:cNvPr>
           <p:cNvPicPr>
             <a:picLocks noChangeAspect="1"/>
           </p:cNvPicPr>
           <p:nvPr/>
         </p:nvPicPr>
         <p:blipFill>
-          <a:blip r:embed="rId2">
-            <a:extLst>
-              <a:ext uri="{28A0092B-C50C-407E-A947-70E740481C1C}">
-                <a14:useLocalDpi xmlns:a14="http://schemas.microsoft.com/office/drawing/2010/main" val="0"/>
-              </a:ext>
-            </a:extLst>
-          </a:blip>
+          <a:blip r:embed="rId2"/>
           <a:stretch>
             <a:fillRect/>
           </a:stretch>
         </p:blipFill>
         <p:spPr>
           <a:xfrm>
-            <a:off x="0" y="1476408"/>
-            <a:ext cx="9144000" cy="2190683"/>
+            <a:off x="305" y="1252159"/>
+            <a:ext cx="6848272" cy="3875876"/>
           </a:xfrm>
           <a:prstGeom prst="rect">
             <a:avLst/>
@@ -5352,20 +5271,13 @@
     </p:spTree>
     <p:extLst>
       <p:ext uri="{BB962C8B-B14F-4D97-AF65-F5344CB8AC3E}">
-        <p14:creationId xmlns:p14="http://schemas.microsoft.com/office/powerpoint/2010/main" val="18564205"/>
+        <p14:creationId xmlns:p14="http://schemas.microsoft.com/office/powerpoint/2010/main" val="2629231911"/>
       </p:ext>
     </p:extLst>
   </p:cSld>
   <p:clrMapOvr>
     <a:masterClrMapping/>
   </p:clrMapOvr>
-  <p:timing>
-    <p:tnLst>
-      <p:par>
-        <p:cTn id="1" dur="indefinite" restart="never" nodeType="tmRoot"/>
-      </p:par>
-    </p:tnLst>
-  </p:timing>
 </p:sld>
 </file>
 
@@ -5403,7 +5315,7 @@
         <p:spPr>
           <a:xfrm>
             <a:off x="0" y="3548"/>
-            <a:ext cx="1890261" cy="307777"/>
+            <a:ext cx="2069797" cy="307777"/>
           </a:xfrm>
           <a:prstGeom prst="rect">
             <a:avLst/>
@@ -5420,20 +5332,13 @@
                 <a:latin typeface="나눔스퀘어 Bold" pitchFamily="50" charset="-127"/>
                 <a:ea typeface="나눔스퀘어 Bold" pitchFamily="50" charset="-127"/>
               </a:rPr>
-              <a:t>프로젝트  </a:t>
-            </a:r>
-            <a:r>
-              <a:rPr lang="ko-KR" altLang="en-US" sz="1400" dirty="0" smtClean="0">
+              <a:t>프로젝트  실행 과정 </a:t>
+            </a:r>
+            <a:r>
+              <a:rPr lang="en-US" altLang="ko-KR" sz="1400" dirty="0">
                 <a:latin typeface="나눔스퀘어 Bold" pitchFamily="50" charset="-127"/>
                 <a:ea typeface="나눔스퀘어 Bold" pitchFamily="50" charset="-127"/>
               </a:rPr>
-              <a:t>실행 과정 </a:t>
-            </a:r>
-            <a:r>
-              <a:rPr lang="en-US" altLang="ko-KR" sz="1400" dirty="0" smtClean="0">
-                <a:latin typeface="나눔스퀘어 Bold" pitchFamily="50" charset="-127"/>
-                <a:ea typeface="나눔스퀘어 Bold" pitchFamily="50" charset="-127"/>
-              </a:rPr>
               <a:t>15</a:t>
             </a:r>
             <a:endParaRPr lang="ko-KR" altLang="en-US" sz="1400" dirty="0"/>
@@ -5442,7 +5347,7 @@
       </p:sp>
       <p:pic>
         <p:nvPicPr>
-          <p:cNvPr id="3" name="그림 2"/>
+          <p:cNvPr id="4" name="그림 3"/>
           <p:cNvPicPr>
             <a:picLocks noChangeAspect="1"/>
           </p:cNvPicPr>
@@ -5462,8 +5367,8 @@
         </p:blipFill>
         <p:spPr>
           <a:xfrm>
-            <a:off x="1629592" y="771550"/>
-            <a:ext cx="5380872" cy="3511614"/>
+            <a:off x="0" y="1476408"/>
+            <a:ext cx="9144000" cy="2190683"/>
           </a:xfrm>
           <a:prstGeom prst="rect">
             <a:avLst/>
@@ -5473,20 +5378,13 @@
     </p:spTree>
     <p:extLst>
       <p:ext uri="{BB962C8B-B14F-4D97-AF65-F5344CB8AC3E}">
-        <p14:creationId xmlns:p14="http://schemas.microsoft.com/office/powerpoint/2010/main" val="2308215904"/>
+        <p14:creationId xmlns:p14="http://schemas.microsoft.com/office/powerpoint/2010/main" val="18564205"/>
       </p:ext>
     </p:extLst>
   </p:cSld>
   <p:clrMapOvr>
     <a:masterClrMapping/>
   </p:clrMapOvr>
-  <p:timing>
-    <p:tnLst>
-      <p:par>
-        <p:cTn id="1" dur="indefinite" restart="never" nodeType="tmRoot"/>
-      </p:par>
-    </p:tnLst>
-  </p:timing>
 </p:sld>
 </file>
 
@@ -5524,7 +5422,7 @@
         <p:spPr>
           <a:xfrm>
             <a:off x="0" y="3548"/>
-            <a:ext cx="1890261" cy="307777"/>
+            <a:ext cx="2069797" cy="307777"/>
           </a:xfrm>
           <a:prstGeom prst="rect">
             <a:avLst/>
@@ -5541,20 +5439,13 @@
                 <a:latin typeface="나눔스퀘어 Bold" pitchFamily="50" charset="-127"/>
                 <a:ea typeface="나눔스퀘어 Bold" pitchFamily="50" charset="-127"/>
               </a:rPr>
-              <a:t>프로젝트  </a:t>
-            </a:r>
-            <a:r>
-              <a:rPr lang="ko-KR" altLang="en-US" sz="1400" dirty="0" smtClean="0">
+              <a:t>프로젝트  실행 과정 </a:t>
+            </a:r>
+            <a:r>
+              <a:rPr lang="en-US" altLang="ko-KR" sz="1400" dirty="0">
                 <a:latin typeface="나눔스퀘어 Bold" pitchFamily="50" charset="-127"/>
                 <a:ea typeface="나눔스퀘어 Bold" pitchFamily="50" charset="-127"/>
               </a:rPr>
-              <a:t>실행 과정 </a:t>
-            </a:r>
-            <a:r>
-              <a:rPr lang="en-US" altLang="ko-KR" sz="1400" dirty="0" smtClean="0">
-                <a:latin typeface="나눔스퀘어 Bold" pitchFamily="50" charset="-127"/>
-                <a:ea typeface="나눔스퀘어 Bold" pitchFamily="50" charset="-127"/>
-              </a:rPr>
               <a:t>16</a:t>
             </a:r>
             <a:endParaRPr lang="ko-KR" altLang="en-US" sz="1400" dirty="0"/>
@@ -5563,13 +5454,13 @@
       </p:sp>
       <p:pic>
         <p:nvPicPr>
-          <p:cNvPr id="4" name="그림 3"/>
+          <p:cNvPr id="3" name="그림 2"/>
           <p:cNvPicPr>
             <a:picLocks noChangeAspect="1"/>
           </p:cNvPicPr>
           <p:nvPr/>
         </p:nvPicPr>
-        <p:blipFill>
+        <p:blipFill rotWithShape="1">
           <a:blip r:embed="rId2">
             <a:extLst>
               <a:ext uri="{28A0092B-C50C-407E-A947-70E740481C1C}">
@@ -5577,14 +5468,107 @@
               </a:ext>
             </a:extLst>
           </a:blip>
+          <a:srcRect l="747" t="57290" r="965" b="14906"/>
+          <a:stretch/>
+        </p:blipFill>
+        <p:spPr>
+          <a:xfrm>
+            <a:off x="36429" y="892068"/>
+            <a:ext cx="4932040" cy="1080121"/>
+          </a:xfrm>
+          <a:prstGeom prst="rect">
+            <a:avLst/>
+          </a:prstGeom>
+        </p:spPr>
+      </p:pic>
+      <p:pic>
+        <p:nvPicPr>
+          <p:cNvPr id="6" name="그림 5">
+            <a:extLst>
+              <a:ext uri="{FF2B5EF4-FFF2-40B4-BE49-F238E27FC236}">
+                <a16:creationId xmlns:a16="http://schemas.microsoft.com/office/drawing/2014/main" id="{60172BBC-C55E-49BA-A88F-E50F6598FFFF}"/>
+              </a:ext>
+            </a:extLst>
+          </p:cNvPr>
+          <p:cNvPicPr>
+            <a:picLocks noChangeAspect="1"/>
+          </p:cNvPicPr>
+          <p:nvPr/>
+        </p:nvPicPr>
+        <p:blipFill rotWithShape="1">
+          <a:blip r:embed="rId3">
+            <a:extLst>
+              <a:ext uri="{28A0092B-C50C-407E-A947-70E740481C1C}">
+                <a14:useLocalDpi xmlns:a14="http://schemas.microsoft.com/office/drawing/2010/main" val="0"/>
+              </a:ext>
+            </a:extLst>
+          </a:blip>
+          <a:srcRect l="2396" t="6865" r="7776" b="17620"/>
+          <a:stretch/>
+        </p:blipFill>
+        <p:spPr>
+          <a:xfrm>
+            <a:off x="36429" y="2019140"/>
+            <a:ext cx="3815491" cy="1584176"/>
+          </a:xfrm>
+          <a:prstGeom prst="rect">
+            <a:avLst/>
+          </a:prstGeom>
+        </p:spPr>
+      </p:pic>
+      <p:pic>
+        <p:nvPicPr>
+          <p:cNvPr id="7" name="그림 6">
+            <a:extLst>
+              <a:ext uri="{FF2B5EF4-FFF2-40B4-BE49-F238E27FC236}">
+                <a16:creationId xmlns:a16="http://schemas.microsoft.com/office/drawing/2014/main" id="{4523B43B-BC51-4156-B21C-42D65C22E4E7}"/>
+              </a:ext>
+            </a:extLst>
+          </p:cNvPr>
+          <p:cNvPicPr>
+            <a:picLocks noChangeAspect="1"/>
+          </p:cNvPicPr>
+          <p:nvPr/>
+        </p:nvPicPr>
+        <p:blipFill rotWithShape="1">
+          <a:blip r:embed="rId4"/>
+          <a:srcRect l="6612"/>
+          <a:stretch/>
+        </p:blipFill>
+        <p:spPr>
+          <a:xfrm>
+            <a:off x="3975997" y="3075806"/>
+            <a:ext cx="3042924" cy="1861127"/>
+          </a:xfrm>
+          <a:prstGeom prst="rect">
+            <a:avLst/>
+          </a:prstGeom>
+        </p:spPr>
+      </p:pic>
+      <p:pic>
+        <p:nvPicPr>
+          <p:cNvPr id="8" name="그림 7">
+            <a:extLst>
+              <a:ext uri="{FF2B5EF4-FFF2-40B4-BE49-F238E27FC236}">
+                <a16:creationId xmlns:a16="http://schemas.microsoft.com/office/drawing/2014/main" id="{011D7DAB-EFA9-4F8A-892F-25DAE4445867}"/>
+              </a:ext>
+            </a:extLst>
+          </p:cNvPr>
+          <p:cNvPicPr>
+            <a:picLocks noChangeAspect="1"/>
+          </p:cNvPicPr>
+          <p:nvPr/>
+        </p:nvPicPr>
+        <p:blipFill>
+          <a:blip r:embed="rId5"/>
           <a:stretch>
             <a:fillRect/>
           </a:stretch>
         </p:blipFill>
         <p:spPr>
           <a:xfrm>
-            <a:off x="0" y="1053683"/>
-            <a:ext cx="9144000" cy="3036133"/>
+            <a:off x="-11494" y="451280"/>
+            <a:ext cx="5508953" cy="350681"/>
           </a:xfrm>
           <a:prstGeom prst="rect">
             <a:avLst/>
@@ -5593,73 +5577,174 @@
       </p:pic>
       <p:sp>
         <p:nvSpPr>
-          <p:cNvPr id="5" name="제목 1"/>
-          <p:cNvSpPr txBox="1">
-            <a:spLocks/>
-          </p:cNvSpPr>
+          <p:cNvPr id="9" name="TextBox 8">
+            <a:extLst>
+              <a:ext uri="{FF2B5EF4-FFF2-40B4-BE49-F238E27FC236}">
+                <a16:creationId xmlns:a16="http://schemas.microsoft.com/office/drawing/2014/main" id="{4AE20259-5F60-477A-85B8-59F893E5C019}"/>
+              </a:ext>
+            </a:extLst>
+          </p:cNvPr>
+          <p:cNvSpPr txBox="1"/>
           <p:nvPr/>
         </p:nvSpPr>
         <p:spPr>
           <a:xfrm>
-            <a:off x="7549584" y="51470"/>
-            <a:ext cx="1558920" cy="576064"/>
+            <a:off x="5436096" y="340759"/>
+            <a:ext cx="3096344" cy="369332"/>
           </a:xfrm>
           <a:prstGeom prst="rect">
             <a:avLst/>
           </a:prstGeom>
-        </p:spPr>
-        <p:txBody>
-          <a:bodyPr vert="horz" lIns="91440" tIns="45720" rIns="91440" bIns="45720" rtlCol="0" anchor="ctr">
-            <a:normAutofit fontScale="92500" lnSpcReduction="10000"/>
+          <a:noFill/>
+        </p:spPr>
+        <p:txBody>
+          <a:bodyPr wrap="square" rtlCol="0">
+            <a:spAutoFit/>
           </a:bodyPr>
-          <a:lstStyle>
-            <a:lvl1pPr algn="ctr" defTabSz="914400" rtl="0" eaLnBrk="1" latinLnBrk="1" hangingPunct="1">
-              <a:spcBef>
-                <a:spcPct val="0"/>
-              </a:spcBef>
-              <a:buNone/>
-              <a:defRPr sz="4400" kern="1200">
-                <a:solidFill>
-                  <a:schemeClr val="tx1"/>
-                </a:solidFill>
-                <a:latin typeface="+mj-lt"/>
-                <a:ea typeface="+mj-ea"/>
-                <a:cs typeface="+mj-cs"/>
-              </a:defRPr>
-            </a:lvl1pPr>
-          </a:lstStyle>
-          <a:p>
-            <a:r>
-              <a:rPr lang="ko-KR" altLang="en-US" sz="3600" dirty="0" smtClean="0">
-                <a:latin typeface="나눔스퀘어 Bold" pitchFamily="50" charset="-127"/>
-                <a:ea typeface="나눔스퀘어 Bold" pitchFamily="50" charset="-127"/>
-              </a:rPr>
-              <a:t>일어</a:t>
-            </a:r>
-            <a:endParaRPr lang="ko-KR" altLang="en-US" sz="3600" dirty="0">
-              <a:latin typeface="나눔스퀘어 Bold" pitchFamily="50" charset="-127"/>
-              <a:ea typeface="나눔스퀘어 Bold" pitchFamily="50" charset="-127"/>
-            </a:endParaRPr>
+          <a:lstStyle/>
+          <a:p>
+            <a:r>
+              <a:rPr lang="en-US" altLang="ko-KR" dirty="0"/>
+              <a:t>1. Csv </a:t>
+            </a:r>
+            <a:r>
+              <a:rPr lang="ko-KR" altLang="en-US" dirty="0"/>
+              <a:t>파일의 질문을 입력함</a:t>
+            </a:r>
+          </a:p>
+        </p:txBody>
+      </p:sp>
+      <p:sp>
+        <p:nvSpPr>
+          <p:cNvPr id="10" name="TextBox 9">
+            <a:extLst>
+              <a:ext uri="{FF2B5EF4-FFF2-40B4-BE49-F238E27FC236}">
+                <a16:creationId xmlns:a16="http://schemas.microsoft.com/office/drawing/2014/main" id="{970F92A9-AE18-44F4-B8C9-773241959FB2}"/>
+              </a:ext>
+            </a:extLst>
+          </p:cNvPr>
+          <p:cNvSpPr txBox="1"/>
+          <p:nvPr/>
+        </p:nvSpPr>
+        <p:spPr>
+          <a:xfrm>
+            <a:off x="5076056" y="1380028"/>
+            <a:ext cx="3456384" cy="369332"/>
+          </a:xfrm>
+          <a:prstGeom prst="rect">
+            <a:avLst/>
+          </a:prstGeom>
+          <a:noFill/>
+        </p:spPr>
+        <p:txBody>
+          <a:bodyPr wrap="square" rtlCol="0">
+            <a:spAutoFit/>
+          </a:bodyPr>
+          <a:lstStyle/>
+          <a:p>
+            <a:r>
+              <a:rPr lang="en-US" altLang="ko-KR" dirty="0"/>
+              <a:t>2. </a:t>
+            </a:r>
+            <a:r>
+              <a:rPr lang="ko-KR" altLang="en-US" dirty="0"/>
+              <a:t>학습한 질의응답과 다른 결과</a:t>
+            </a:r>
+          </a:p>
+        </p:txBody>
+      </p:sp>
+      <p:sp>
+        <p:nvSpPr>
+          <p:cNvPr id="11" name="TextBox 10">
+            <a:extLst>
+              <a:ext uri="{FF2B5EF4-FFF2-40B4-BE49-F238E27FC236}">
+                <a16:creationId xmlns:a16="http://schemas.microsoft.com/office/drawing/2014/main" id="{B63809F3-FB67-4645-886B-7D941DB5DD17}"/>
+              </a:ext>
+            </a:extLst>
+          </p:cNvPr>
+          <p:cNvSpPr txBox="1"/>
+          <p:nvPr/>
+        </p:nvSpPr>
+        <p:spPr>
+          <a:xfrm>
+            <a:off x="4355976" y="2483645"/>
+            <a:ext cx="3967282" cy="369332"/>
+          </a:xfrm>
+          <a:prstGeom prst="rect">
+            <a:avLst/>
+          </a:prstGeom>
+          <a:noFill/>
+        </p:spPr>
+        <p:txBody>
+          <a:bodyPr wrap="square" rtlCol="0">
+            <a:spAutoFit/>
+          </a:bodyPr>
+          <a:lstStyle/>
+          <a:p>
+            <a:r>
+              <a:rPr lang="en-US" altLang="ko-KR" dirty="0"/>
+              <a:t>3. </a:t>
+            </a:r>
+            <a:r>
+              <a:rPr lang="ko-KR" altLang="en-US" dirty="0"/>
+              <a:t>데이터셋에 없는 질문에 대한 응답</a:t>
+            </a:r>
+          </a:p>
+        </p:txBody>
+      </p:sp>
+      <p:sp>
+        <p:nvSpPr>
+          <p:cNvPr id="12" name="TextBox 11">
+            <a:extLst>
+              <a:ext uri="{FF2B5EF4-FFF2-40B4-BE49-F238E27FC236}">
+                <a16:creationId xmlns:a16="http://schemas.microsoft.com/office/drawing/2014/main" id="{BDABAB32-ACC5-43B5-BC03-3D19FFCE3007}"/>
+              </a:ext>
+            </a:extLst>
+          </p:cNvPr>
+          <p:cNvSpPr txBox="1"/>
+          <p:nvPr/>
+        </p:nvSpPr>
+        <p:spPr>
+          <a:xfrm>
+            <a:off x="7144570" y="3280150"/>
+            <a:ext cx="1512168" cy="646331"/>
+          </a:xfrm>
+          <a:prstGeom prst="rect">
+            <a:avLst/>
+          </a:prstGeom>
+          <a:noFill/>
+        </p:spPr>
+        <p:txBody>
+          <a:bodyPr wrap="square" rtlCol="0">
+            <a:spAutoFit/>
+          </a:bodyPr>
+          <a:lstStyle/>
+          <a:p>
+            <a:r>
+              <a:rPr lang="en-US" altLang="ko-KR" dirty="0"/>
+              <a:t>4. </a:t>
+            </a:r>
+            <a:r>
+              <a:rPr lang="en-US" altLang="ko-KR" dirty="0" err="1"/>
+              <a:t>chatGPT</a:t>
+            </a:r>
+            <a:r>
+              <a:rPr lang="ko-KR" altLang="en-US" dirty="0"/>
+              <a:t>와 비교</a:t>
+            </a:r>
           </a:p>
         </p:txBody>
       </p:sp>
     </p:spTree>
     <p:extLst>
       <p:ext uri="{BB962C8B-B14F-4D97-AF65-F5344CB8AC3E}">
-        <p14:creationId xmlns:p14="http://schemas.microsoft.com/office/powerpoint/2010/main" val="1340862492"/>
+        <p14:creationId xmlns:p14="http://schemas.microsoft.com/office/powerpoint/2010/main" val="2308215904"/>
       </p:ext>
     </p:extLst>
   </p:cSld>
   <p:clrMapOvr>
     <a:masterClrMapping/>
   </p:clrMapOvr>
-  <p:timing>
-    <p:tnLst>
-      <p:par>
-        <p:cTn id="1" dur="indefinite" restart="never" nodeType="tmRoot"/>
-      </p:par>
-    </p:tnLst>
-  </p:timing>
 </p:sld>
 </file>
 
@@ -5703,16 +5788,12 @@
           <a:lstStyle/>
           <a:p>
             <a:r>
-              <a:rPr lang="ko-KR" altLang="en-US" sz="1400" dirty="0" smtClean="0">
+              <a:rPr lang="ko-KR" altLang="en-US" sz="1400" dirty="0">
                 <a:latin typeface="나눔스퀘어 Bold" pitchFamily="50" charset="-127"/>
                 <a:ea typeface="나눔스퀘어 Bold" pitchFamily="50" charset="-127"/>
               </a:rPr>
               <a:t>맞춤형 학습 도우미</a:t>
             </a:r>
-            <a:endParaRPr lang="ko-KR" altLang="en-US" sz="1400" dirty="0">
-              <a:latin typeface="나눔스퀘어 Bold" pitchFamily="50" charset="-127"/>
-              <a:ea typeface="나눔스퀘어 Bold" pitchFamily="50" charset="-127"/>
-            </a:endParaRPr>
           </a:p>
         </p:txBody>
       </p:sp>
@@ -5739,14 +5820,14 @@
           <a:lstStyle/>
           <a:p>
             <a:r>
-              <a:rPr lang="ko-KR" altLang="en-US" sz="2800" dirty="0" smtClean="0">
+              <a:rPr lang="ko-KR" altLang="en-US" sz="2800" dirty="0">
                 <a:latin typeface="나눔스퀘어 Bold" pitchFamily="50" charset="-127"/>
                 <a:ea typeface="나눔스퀘어 Bold" pitchFamily="50" charset="-127"/>
               </a:rPr>
               <a:t>여러 교과목을 학습시켜 주는 교육용 </a:t>
             </a:r>
             <a:r>
-              <a:rPr lang="en-US" altLang="ko-KR" sz="2800" dirty="0" smtClean="0">
+              <a:rPr lang="en-US" altLang="ko-KR" sz="2800" dirty="0">
                 <a:latin typeface="나눔스퀘어 Bold" pitchFamily="50" charset="-127"/>
                 <a:ea typeface="나눔스퀘어 Bold" pitchFamily="50" charset="-127"/>
               </a:rPr>
@@ -5799,7 +5880,7 @@
           <a:p>
             <a:pPr algn="l"/>
             <a:r>
-              <a:rPr lang="ko-KR" altLang="en-US" sz="1400" dirty="0" smtClean="0">
+              <a:rPr lang="ko-KR" altLang="en-US" sz="1400" dirty="0">
                 <a:solidFill>
                   <a:srgbClr val="BC7C7C"/>
                 </a:solidFill>
@@ -5808,13 +5889,6 @@
               </a:rPr>
               <a:t>프로젝트  주제</a:t>
             </a:r>
-            <a:endParaRPr lang="ko-KR" altLang="en-US" sz="1400" dirty="0">
-              <a:solidFill>
-                <a:srgbClr val="BC7C7C"/>
-              </a:solidFill>
-              <a:latin typeface="나눔스퀘어 Bold" pitchFamily="50" charset="-127"/>
-              <a:ea typeface="나눔스퀘어 Bold" pitchFamily="50" charset="-127"/>
-            </a:endParaRPr>
           </a:p>
         </p:txBody>
       </p:sp>
@@ -6768,7 +6842,7 @@
               </a:lnSpc>
             </a:pPr>
             <a:r>
-              <a:rPr lang="ko-KR" altLang="en-US" sz="1000" b="1" dirty="0" smtClean="0">
+              <a:rPr lang="ko-KR" altLang="en-US" sz="1000" b="1" dirty="0">
                 <a:solidFill>
                   <a:srgbClr val="E4C087"/>
                 </a:solidFill>
@@ -6777,7 +6851,7 @@
               </a:rPr>
               <a:t>문제 입력</a:t>
             </a:r>
-            <a:endParaRPr lang="en-US" altLang="ko-KR" sz="1000" b="1" dirty="0" smtClean="0">
+            <a:endParaRPr lang="en-US" altLang="ko-KR" sz="1000" b="1" dirty="0">
               <a:solidFill>
                 <a:srgbClr val="E4C087"/>
               </a:solidFill>
@@ -6792,7 +6866,7 @@
               </a:lnSpc>
             </a:pPr>
             <a:r>
-              <a:rPr lang="ko-KR" altLang="en-US" sz="1000" b="1" dirty="0" smtClean="0">
+              <a:rPr lang="ko-KR" altLang="en-US" sz="1000" b="1" dirty="0">
                 <a:solidFill>
                   <a:srgbClr val="E4C087"/>
                 </a:solidFill>
@@ -6801,13 +6875,6 @@
               </a:rPr>
               <a:t>문제 유형 제시</a:t>
             </a:r>
-            <a:endParaRPr lang="ko-KR" altLang="en-US" sz="1000" b="1" dirty="0">
-              <a:solidFill>
-                <a:srgbClr val="E4C087"/>
-              </a:solidFill>
-              <a:latin typeface="나눔고딕" pitchFamily="50" charset="-127"/>
-              <a:ea typeface="나눔고딕" pitchFamily="50" charset="-127"/>
-            </a:endParaRPr>
           </a:p>
         </p:txBody>
       </p:sp>
@@ -6839,7 +6906,7 @@
               </a:lnSpc>
             </a:pPr>
             <a:r>
-              <a:rPr lang="ko-KR" altLang="en-US" sz="1000" b="1" dirty="0" smtClean="0">
+              <a:rPr lang="ko-KR" altLang="en-US" sz="1000" b="1" dirty="0">
                 <a:solidFill>
                   <a:srgbClr val="A2D2DF"/>
                 </a:solidFill>
@@ -6849,7 +6916,7 @@
               <a:t>풀이와</a:t>
             </a:r>
             <a:r>
-              <a:rPr lang="en-US" altLang="ko-KR" sz="1000" b="1" dirty="0" smtClean="0">
+              <a:rPr lang="en-US" altLang="ko-KR" sz="1000" b="1" dirty="0">
                 <a:solidFill>
                   <a:srgbClr val="A2D2DF"/>
                 </a:solidFill>
@@ -6859,24 +6926,14 @@
               <a:t> </a:t>
             </a:r>
             <a:r>
-              <a:rPr lang="ko-KR" altLang="en-US" sz="1000" b="1" dirty="0" smtClean="0">
+              <a:rPr lang="ko-KR" altLang="en-US" sz="1000" b="1" dirty="0">
                 <a:solidFill>
                   <a:srgbClr val="A2D2DF"/>
                 </a:solidFill>
                 <a:latin typeface="나눔고딕" pitchFamily="50" charset="-127"/>
                 <a:ea typeface="나눔고딕" pitchFamily="50" charset="-127"/>
               </a:rPr>
-              <a:t>답을 </a:t>
-            </a:r>
-            <a:r>
-              <a:rPr lang="ko-KR" altLang="en-US" sz="1000" b="1" dirty="0">
-                <a:solidFill>
-                  <a:srgbClr val="A2D2DF"/>
-                </a:solidFill>
-                <a:latin typeface="나눔고딕" pitchFamily="50" charset="-127"/>
-                <a:ea typeface="나눔고딕" pitchFamily="50" charset="-127"/>
-              </a:rPr>
-              <a:t>제공</a:t>
+              <a:t>답을 제공</a:t>
             </a:r>
           </a:p>
           <a:p>
@@ -6886,7 +6943,7 @@
               </a:lnSpc>
             </a:pPr>
             <a:r>
-              <a:rPr lang="ko-KR" altLang="en-US" sz="1000" b="1" dirty="0" smtClean="0">
+              <a:rPr lang="ko-KR" altLang="en-US" sz="1000" b="1" dirty="0">
                 <a:solidFill>
                   <a:srgbClr val="A2D2DF"/>
                 </a:solidFill>
@@ -6894,30 +6951,6 @@
                 <a:ea typeface="나눔고딕" pitchFamily="50" charset="-127"/>
               </a:rPr>
               <a:t>틀린 문제의 핵심 개념 설명과 개념의적용</a:t>
-            </a:r>
-            <a:endParaRPr lang="en-US" altLang="ko-KR" sz="1000" b="1" dirty="0" smtClean="0">
-              <a:solidFill>
-                <a:srgbClr val="A2D2DF"/>
-              </a:solidFill>
-              <a:latin typeface="나눔고딕" pitchFamily="50" charset="-127"/>
-              <a:ea typeface="나눔고딕" pitchFamily="50" charset="-127"/>
-            </a:endParaRPr>
-          </a:p>
-          <a:p>
-            <a:pPr algn="ctr">
-              <a:lnSpc>
-                <a:spcPts val="2000"/>
-              </a:lnSpc>
-            </a:pPr>
-            <a:r>
-              <a:rPr lang="ko-KR" altLang="en-US" sz="1000" b="1" dirty="0">
-                <a:solidFill>
-                  <a:srgbClr val="A2D2DF"/>
-                </a:solidFill>
-                <a:latin typeface="나눔고딕" pitchFamily="50" charset="-127"/>
-                <a:ea typeface="나눔고딕" pitchFamily="50" charset="-127"/>
-              </a:rPr>
-              <a:t>새로운 맞춤형 문제를 제시</a:t>
             </a:r>
             <a:endParaRPr lang="en-US" altLang="ko-KR" sz="1000" b="1" dirty="0">
               <a:solidFill>
@@ -6928,12 +6961,36 @@
             </a:endParaRPr>
           </a:p>
           <a:p>
+            <a:pPr algn="ctr">
+              <a:lnSpc>
+                <a:spcPts val="2000"/>
+              </a:lnSpc>
+            </a:pPr>
+            <a:r>
+              <a:rPr lang="ko-KR" altLang="en-US" sz="1000" b="1" dirty="0">
+                <a:solidFill>
+                  <a:srgbClr val="A2D2DF"/>
+                </a:solidFill>
+                <a:latin typeface="나눔고딕" pitchFamily="50" charset="-127"/>
+                <a:ea typeface="나눔고딕" pitchFamily="50" charset="-127"/>
+              </a:rPr>
+              <a:t>새로운 맞춤형 문제를 제시</a:t>
+            </a:r>
+            <a:endParaRPr lang="en-US" altLang="ko-KR" sz="1000" b="1" dirty="0">
+              <a:solidFill>
+                <a:srgbClr val="A2D2DF"/>
+              </a:solidFill>
+              <a:latin typeface="나눔고딕" pitchFamily="50" charset="-127"/>
+              <a:ea typeface="나눔고딕" pitchFamily="50" charset="-127"/>
+            </a:endParaRPr>
+          </a:p>
+          <a:p>
             <a:pPr>
               <a:lnSpc>
                 <a:spcPts val="2000"/>
               </a:lnSpc>
             </a:pPr>
-            <a:endParaRPr lang="en-US" altLang="ko-KR" sz="1200" dirty="0" smtClean="0">
+            <a:endParaRPr lang="en-US" altLang="ko-KR" sz="1200" dirty="0">
               <a:latin typeface="나눔고딕" pitchFamily="50" charset="-127"/>
               <a:ea typeface="나눔고딕" pitchFamily="50" charset="-127"/>
             </a:endParaRPr>
@@ -6979,16 +7036,12 @@
           </a:lstStyle>
           <a:p>
             <a:r>
-              <a:rPr lang="ko-KR" altLang="en-US" sz="1400" dirty="0" smtClean="0">
+              <a:rPr lang="ko-KR" altLang="en-US" sz="1400" dirty="0">
                 <a:latin typeface="나눔스퀘어 Bold" pitchFamily="50" charset="-127"/>
                 <a:ea typeface="나눔스퀘어 Bold" pitchFamily="50" charset="-127"/>
               </a:rPr>
               <a:t>사용자</a:t>
             </a:r>
-            <a:endParaRPr lang="ko-KR" altLang="en-US" sz="1400" dirty="0">
-              <a:latin typeface="나눔스퀘어 Bold" pitchFamily="50" charset="-127"/>
-              <a:ea typeface="나눔스퀘어 Bold" pitchFamily="50" charset="-127"/>
-            </a:endParaRPr>
           </a:p>
         </p:txBody>
       </p:sp>
@@ -7002,13 +7055,6 @@
   <p:clrMapOvr>
     <a:masterClrMapping/>
   </p:clrMapOvr>
-  <p:timing>
-    <p:tnLst>
-      <p:par>
-        <p:cTn id="1" dur="indefinite" restart="never" nodeType="tmRoot"/>
-      </p:par>
-    </p:tnLst>
-  </p:timing>
 </p:sld>
 </file>
 
@@ -7039,6 +7085,161 @@
       </p:grpSpPr>
       <p:sp>
         <p:nvSpPr>
+          <p:cNvPr id="2" name="직사각형 1"/>
+          <p:cNvSpPr/>
+          <p:nvPr/>
+        </p:nvSpPr>
+        <p:spPr>
+          <a:xfrm>
+            <a:off x="0" y="3548"/>
+            <a:ext cx="2069797" cy="307777"/>
+          </a:xfrm>
+          <a:prstGeom prst="rect">
+            <a:avLst/>
+          </a:prstGeom>
+        </p:spPr>
+        <p:txBody>
+          <a:bodyPr wrap="none">
+            <a:spAutoFit/>
+          </a:bodyPr>
+          <a:lstStyle/>
+          <a:p>
+            <a:r>
+              <a:rPr lang="ko-KR" altLang="en-US" sz="1400" dirty="0">
+                <a:latin typeface="나눔스퀘어 Bold" pitchFamily="50" charset="-127"/>
+                <a:ea typeface="나눔스퀘어 Bold" pitchFamily="50" charset="-127"/>
+              </a:rPr>
+              <a:t>프로젝트  실행 과정 </a:t>
+            </a:r>
+            <a:r>
+              <a:rPr lang="en-US" altLang="ko-KR" sz="1400" dirty="0">
+                <a:latin typeface="나눔스퀘어 Bold" pitchFamily="50" charset="-127"/>
+                <a:ea typeface="나눔스퀘어 Bold" pitchFamily="50" charset="-127"/>
+              </a:rPr>
+              <a:t>17</a:t>
+            </a:r>
+            <a:endParaRPr lang="ko-KR" altLang="en-US" sz="1400" dirty="0"/>
+          </a:p>
+        </p:txBody>
+      </p:sp>
+      <p:pic>
+        <p:nvPicPr>
+          <p:cNvPr id="4" name="그림 3"/>
+          <p:cNvPicPr>
+            <a:picLocks noChangeAspect="1"/>
+          </p:cNvPicPr>
+          <p:nvPr/>
+        </p:nvPicPr>
+        <p:blipFill>
+          <a:blip r:embed="rId2">
+            <a:extLst>
+              <a:ext uri="{28A0092B-C50C-407E-A947-70E740481C1C}">
+                <a14:useLocalDpi xmlns:a14="http://schemas.microsoft.com/office/drawing/2010/main" val="0"/>
+              </a:ext>
+            </a:extLst>
+          </a:blip>
+          <a:stretch>
+            <a:fillRect/>
+          </a:stretch>
+        </p:blipFill>
+        <p:spPr>
+          <a:xfrm>
+            <a:off x="0" y="1053683"/>
+            <a:ext cx="9144000" cy="3036133"/>
+          </a:xfrm>
+          <a:prstGeom prst="rect">
+            <a:avLst/>
+          </a:prstGeom>
+        </p:spPr>
+      </p:pic>
+      <p:sp>
+        <p:nvSpPr>
+          <p:cNvPr id="5" name="제목 1"/>
+          <p:cNvSpPr txBox="1">
+            <a:spLocks/>
+          </p:cNvSpPr>
+          <p:nvPr/>
+        </p:nvSpPr>
+        <p:spPr>
+          <a:xfrm>
+            <a:off x="7549584" y="51470"/>
+            <a:ext cx="1558920" cy="576064"/>
+          </a:xfrm>
+          <a:prstGeom prst="rect">
+            <a:avLst/>
+          </a:prstGeom>
+        </p:spPr>
+        <p:txBody>
+          <a:bodyPr vert="horz" lIns="91440" tIns="45720" rIns="91440" bIns="45720" rtlCol="0" anchor="ctr">
+            <a:normAutofit fontScale="92500" lnSpcReduction="10000"/>
+          </a:bodyPr>
+          <a:lstStyle>
+            <a:lvl1pPr algn="ctr" defTabSz="914400" rtl="0" eaLnBrk="1" latinLnBrk="1" hangingPunct="1">
+              <a:spcBef>
+                <a:spcPct val="0"/>
+              </a:spcBef>
+              <a:buNone/>
+              <a:defRPr sz="4400" kern="1200">
+                <a:solidFill>
+                  <a:schemeClr val="tx1"/>
+                </a:solidFill>
+                <a:latin typeface="+mj-lt"/>
+                <a:ea typeface="+mj-ea"/>
+                <a:cs typeface="+mj-cs"/>
+              </a:defRPr>
+            </a:lvl1pPr>
+          </a:lstStyle>
+          <a:p>
+            <a:r>
+              <a:rPr lang="ko-KR" altLang="en-US" sz="3600" dirty="0">
+                <a:latin typeface="나눔스퀘어 Bold" pitchFamily="50" charset="-127"/>
+                <a:ea typeface="나눔스퀘어 Bold" pitchFamily="50" charset="-127"/>
+              </a:rPr>
+              <a:t>일어</a:t>
+            </a:r>
+          </a:p>
+        </p:txBody>
+      </p:sp>
+    </p:spTree>
+    <p:extLst>
+      <p:ext uri="{BB962C8B-B14F-4D97-AF65-F5344CB8AC3E}">
+        <p14:creationId xmlns:p14="http://schemas.microsoft.com/office/powerpoint/2010/main" val="1340862492"/>
+      </p:ext>
+    </p:extLst>
+  </p:cSld>
+  <p:clrMapOvr>
+    <a:masterClrMapping/>
+  </p:clrMapOvr>
+</p:sld>
+</file>
+
+<file path=ppt/slides/slide21.xml><?xml version="1.0" encoding="utf-8"?>
+<p:sld xmlns:a="http://schemas.openxmlformats.org/drawingml/2006/main" xmlns:r="http://schemas.openxmlformats.org/officeDocument/2006/relationships" xmlns:p="http://schemas.openxmlformats.org/presentationml/2006/main">
+  <p:cSld>
+    <p:bg>
+      <p:bgPr>
+        <a:solidFill>
+          <a:srgbClr val="E4C087"/>
+        </a:solidFill>
+        <a:effectLst/>
+      </p:bgPr>
+    </p:bg>
+    <p:spTree>
+      <p:nvGrpSpPr>
+        <p:cNvPr id="1" name=""/>
+        <p:cNvGrpSpPr/>
+        <p:nvPr/>
+      </p:nvGrpSpPr>
+      <p:grpSpPr>
+        <a:xfrm>
+          <a:off x="0" y="0"/>
+          <a:ext cx="0" cy="0"/>
+          <a:chOff x="0" y="0"/>
+          <a:chExt cx="0" cy="0"/>
+        </a:xfrm>
+      </p:grpSpPr>
+      <p:sp>
+        <p:nvSpPr>
           <p:cNvPr id="2" name="제목 1"/>
           <p:cNvSpPr>
             <a:spLocks noGrp="1"/>
@@ -7058,7 +7259,7 @@
           <a:lstStyle/>
           <a:p>
             <a:r>
-              <a:rPr lang="en-US" altLang="ko-KR" dirty="0" smtClean="0">
+              <a:rPr lang="en-US" altLang="ko-KR" dirty="0">
                 <a:latin typeface="나눔스퀘어 Bold" pitchFamily="50" charset="-127"/>
                 <a:ea typeface="나눔스퀘어 Bold" pitchFamily="50" charset="-127"/>
               </a:rPr>
@@ -7081,13 +7282,6 @@
   <p:clrMapOvr>
     <a:masterClrMapping/>
   </p:clrMapOvr>
-  <p:timing>
-    <p:tnLst>
-      <p:par>
-        <p:cTn id="1" dur="indefinite" restart="never" nodeType="tmRoot"/>
-      </p:par>
-    </p:tnLst>
-  </p:timing>
 </p:sld>
 </file>
 
@@ -7436,7 +7630,7 @@
           <a:p>
             <a:pPr algn="ctr"/>
             <a:r>
-              <a:rPr lang="en-US" altLang="ko-KR" sz="1400" dirty="0" smtClean="0">
+              <a:rPr lang="en-US" altLang="ko-KR" sz="1400" dirty="0">
                 <a:latin typeface="나눔스퀘어 Bold" pitchFamily="50" charset="-127"/>
                 <a:ea typeface="나눔스퀘어 Bold" pitchFamily="50" charset="-127"/>
               </a:rPr>
@@ -7473,14 +7667,14 @@
           <a:p>
             <a:pPr algn="ctr"/>
             <a:r>
-              <a:rPr lang="en-US" altLang="ko-KR" sz="1400" dirty="0" err="1" smtClean="0">
+              <a:rPr lang="en-US" altLang="ko-KR" sz="1400" dirty="0" err="1">
                 <a:latin typeface="나눔스퀘어 Bold" pitchFamily="50" charset="-127"/>
                 <a:ea typeface="나눔스퀘어 Bold" pitchFamily="50" charset="-127"/>
               </a:rPr>
               <a:t>LLaMA</a:t>
             </a:r>
             <a:r>
-              <a:rPr lang="en-US" altLang="ko-KR" sz="1400" dirty="0" smtClean="0">
+              <a:rPr lang="en-US" altLang="ko-KR" sz="1400" dirty="0">
                 <a:latin typeface="나눔스퀘어 Bold" pitchFamily="50" charset="-127"/>
                 <a:ea typeface="나눔스퀘어 Bold" pitchFamily="50" charset="-127"/>
               </a:rPr>
@@ -7517,14 +7711,14 @@
           <a:p>
             <a:pPr algn="ctr"/>
             <a:r>
-              <a:rPr lang="en-US" altLang="ko-KR" sz="1400" dirty="0" smtClean="0">
+              <a:rPr lang="en-US" altLang="ko-KR" sz="1400" dirty="0">
                 <a:latin typeface="나눔스퀘어 Bold" pitchFamily="50" charset="-127"/>
                 <a:ea typeface="나눔스퀘어 Bold" pitchFamily="50" charset="-127"/>
               </a:rPr>
               <a:t>Google </a:t>
             </a:r>
             <a:r>
-              <a:rPr lang="en-US" altLang="ko-KR" sz="1400" dirty="0" err="1" smtClean="0">
+              <a:rPr lang="en-US" altLang="ko-KR" sz="1400" dirty="0" err="1">
                 <a:latin typeface="나눔스퀘어 Bold" pitchFamily="50" charset="-127"/>
                 <a:ea typeface="나눔스퀘어 Bold" pitchFamily="50" charset="-127"/>
               </a:rPr>
@@ -7561,7 +7755,7 @@
           <a:p>
             <a:pPr algn="ctr"/>
             <a:r>
-              <a:rPr lang="en-US" altLang="ko-KR" sz="1400" dirty="0" smtClean="0">
+              <a:rPr lang="en-US" altLang="ko-KR" sz="1400" dirty="0">
                 <a:latin typeface="나눔스퀘어 Bold" pitchFamily="50" charset="-127"/>
                 <a:ea typeface="나눔스퀘어 Bold" pitchFamily="50" charset="-127"/>
               </a:rPr>
@@ -7602,149 +7796,131 @@
               </a:lnSpc>
             </a:pPr>
             <a:r>
-              <a:rPr lang="en-US" altLang="ko-KR" sz="800" b="1" dirty="0" smtClean="0">
-                <a:latin typeface="나눔고딕" pitchFamily="50" charset="-127"/>
-                <a:ea typeface="나눔고딕" pitchFamily="50" charset="-127"/>
-              </a:rPr>
-              <a:t> Meta</a:t>
-            </a:r>
-            <a:r>
-              <a:rPr lang="ko-KR" altLang="en-US" sz="800" b="1" dirty="0" smtClean="0">
-                <a:latin typeface="나눔고딕" pitchFamily="50" charset="-127"/>
-                <a:ea typeface="나눔고딕" pitchFamily="50" charset="-127"/>
-              </a:rPr>
-              <a:t>에서 개발한 최신 </a:t>
-            </a:r>
-            <a:r>
-              <a:rPr lang="en-US" altLang="ko-KR" sz="800" b="1" dirty="0" smtClean="0">
-                <a:latin typeface="나눔고딕" pitchFamily="50" charset="-127"/>
-                <a:ea typeface="나눔고딕" pitchFamily="50" charset="-127"/>
-              </a:rPr>
-              <a:t>LLM</a:t>
-            </a:r>
-            <a:r>
-              <a:rPr lang="ko-KR" altLang="en-US" sz="800" b="1" dirty="0" smtClean="0">
-                <a:latin typeface="나눔고딕" pitchFamily="50" charset="-127"/>
-                <a:ea typeface="나눔고딕" pitchFamily="50" charset="-127"/>
-              </a:rPr>
-              <a:t>으로</a:t>
-            </a:r>
-            <a:r>
-              <a:rPr lang="en-US" altLang="ko-KR" sz="800" b="1" dirty="0" smtClean="0">
-                <a:latin typeface="나눔고딕" pitchFamily="50" charset="-127"/>
-                <a:ea typeface="나눔고딕" pitchFamily="50" charset="-127"/>
-              </a:rPr>
-              <a:t>, </a:t>
-            </a:r>
-            <a:r>
-              <a:rPr lang="ko-KR" altLang="en-US" sz="800" b="1" dirty="0" smtClean="0">
-                <a:latin typeface="나눔고딕" pitchFamily="50" charset="-127"/>
-                <a:ea typeface="나눔고딕" pitchFamily="50" charset="-127"/>
-              </a:rPr>
-              <a:t>자연어 처리 작업에 최적화</a:t>
-            </a:r>
-            <a:r>
-              <a:rPr lang="en-US" altLang="ko-KR" sz="800" b="1" dirty="0" smtClean="0">
-                <a:latin typeface="나눔고딕" pitchFamily="50" charset="-127"/>
-                <a:ea typeface="나눔고딕" pitchFamily="50" charset="-127"/>
-              </a:rPr>
-              <a:t>.</a:t>
-            </a:r>
-            <a:r>
               <a:rPr lang="en-US" altLang="ko-KR" sz="800" b="1" dirty="0">
                 <a:latin typeface="나눔고딕" pitchFamily="50" charset="-127"/>
                 <a:ea typeface="나눔고딕" pitchFamily="50" charset="-127"/>
               </a:rPr>
-              <a:t> </a:t>
-            </a:r>
-            <a:r>
-              <a:rPr lang="ko-KR" altLang="en-US" sz="800" b="1" dirty="0" smtClean="0">
+              <a:t> Meta</a:t>
+            </a:r>
+            <a:r>
+              <a:rPr lang="ko-KR" altLang="en-US" sz="800" b="1" dirty="0">
                 <a:latin typeface="나눔고딕" pitchFamily="50" charset="-127"/>
                 <a:ea typeface="나눔고딕" pitchFamily="50" charset="-127"/>
               </a:rPr>
-              <a:t>자연스러운 텍스트 생성과 높은 정확도의 질문 답변을 지원</a:t>
-            </a:r>
-            <a:r>
-              <a:rPr lang="en-US" altLang="ko-KR" sz="800" b="1" dirty="0" smtClean="0">
-                <a:latin typeface="나눔고딕" pitchFamily="50" charset="-127"/>
-                <a:ea typeface="나눔고딕" pitchFamily="50" charset="-127"/>
-              </a:rPr>
-              <a:t>, </a:t>
-            </a:r>
-            <a:r>
-              <a:rPr lang="ko-KR" altLang="en-US" sz="800" b="1" dirty="0" smtClean="0">
-                <a:latin typeface="나눔고딕" pitchFamily="50" charset="-127"/>
-                <a:ea typeface="나눔고딕" pitchFamily="50" charset="-127"/>
-              </a:rPr>
-              <a:t>다양한 크기로 제공되어 사용자의 필요에 맞게 선택 가능</a:t>
-            </a:r>
-            <a:r>
-              <a:rPr lang="en-US" altLang="ko-KR" sz="800" b="1" dirty="0" smtClean="0">
-                <a:latin typeface="나눔고딕" pitchFamily="50" charset="-127"/>
-                <a:ea typeface="나눔고딕" pitchFamily="50" charset="-127"/>
-              </a:rPr>
-              <a:t>.</a:t>
+              <a:t>에서 개발한 최신 </a:t>
             </a:r>
             <a:r>
               <a:rPr lang="en-US" altLang="ko-KR" sz="800" b="1" dirty="0">
                 <a:latin typeface="나눔고딕" pitchFamily="50" charset="-127"/>
                 <a:ea typeface="나눔고딕" pitchFamily="50" charset="-127"/>
               </a:rPr>
-              <a:t> </a:t>
-            </a:r>
-            <a:r>
-              <a:rPr lang="ko-KR" altLang="en-US" sz="800" b="1" dirty="0" err="1" smtClean="0">
+              <a:t>LLM</a:t>
+            </a:r>
+            <a:r>
+              <a:rPr lang="ko-KR" altLang="en-US" sz="800" b="1" dirty="0">
                 <a:latin typeface="나눔고딕" pitchFamily="50" charset="-127"/>
                 <a:ea typeface="나눔고딕" pitchFamily="50" charset="-127"/>
               </a:rPr>
-              <a:t>재학습이</a:t>
-            </a:r>
-            <a:r>
-              <a:rPr lang="ko-KR" altLang="en-US" sz="800" b="1" dirty="0" smtClean="0">
+              <a:t>으로</a:t>
+            </a:r>
+            <a:r>
+              <a:rPr lang="en-US" altLang="ko-KR" sz="800" b="1" dirty="0">
                 <a:latin typeface="나눔고딕" pitchFamily="50" charset="-127"/>
                 <a:ea typeface="나눔고딕" pitchFamily="50" charset="-127"/>
               </a:rPr>
-              <a:t> 가능하여 특정 도메인에 맞게 최적화하며</a:t>
-            </a:r>
-            <a:r>
-              <a:rPr lang="en-US" altLang="ko-KR" sz="800" b="1" dirty="0" smtClean="0">
+              <a:t>, </a:t>
+            </a:r>
+            <a:r>
+              <a:rPr lang="ko-KR" altLang="en-US" sz="800" b="1" dirty="0">
                 <a:latin typeface="나눔고딕" pitchFamily="50" charset="-127"/>
                 <a:ea typeface="나눔고딕" pitchFamily="50" charset="-127"/>
               </a:rPr>
-              <a:t>, </a:t>
-            </a:r>
-            <a:r>
-              <a:rPr lang="ko-KR" altLang="en-US" sz="800" b="1" dirty="0" err="1" smtClean="0">
+              <a:t>자연어 처리 작업에 최적화</a:t>
+            </a:r>
+            <a:r>
+              <a:rPr lang="en-US" altLang="ko-KR" sz="800" b="1" dirty="0">
                 <a:latin typeface="나눔고딕" pitchFamily="50" charset="-127"/>
                 <a:ea typeface="나눔고딕" pitchFamily="50" charset="-127"/>
               </a:rPr>
-              <a:t>오픈소스</a:t>
-            </a:r>
-            <a:r>
-              <a:rPr lang="ko-KR" altLang="en-US" sz="800" b="1" dirty="0" smtClean="0">
+              <a:t>. </a:t>
+            </a:r>
+            <a:r>
+              <a:rPr lang="ko-KR" altLang="en-US" sz="800" b="1" dirty="0">
                 <a:latin typeface="나눔고딕" pitchFamily="50" charset="-127"/>
                 <a:ea typeface="나눔고딕" pitchFamily="50" charset="-127"/>
               </a:rPr>
-              <a:t> </a:t>
-            </a:r>
-            <a:r>
-              <a:rPr lang="ko-KR" altLang="en-US" sz="800" b="1" dirty="0" err="1" smtClean="0">
+              <a:t>자연스러운 텍스트 생성과 높은 정확도의 질문 답변을 지원</a:t>
+            </a:r>
+            <a:r>
+              <a:rPr lang="en-US" altLang="ko-KR" sz="800" b="1" dirty="0">
                 <a:latin typeface="나눔고딕" pitchFamily="50" charset="-127"/>
                 <a:ea typeface="나눔고딕" pitchFamily="50" charset="-127"/>
               </a:rPr>
-              <a:t>라이센스</a:t>
-            </a:r>
-            <a:r>
-              <a:rPr lang="ko-KR" altLang="en-US" sz="800" b="1" dirty="0" smtClean="0">
+              <a:t>, </a:t>
+            </a:r>
+            <a:r>
+              <a:rPr lang="ko-KR" altLang="en-US" sz="800" b="1" dirty="0">
                 <a:latin typeface="나눔고딕" pitchFamily="50" charset="-127"/>
                 <a:ea typeface="나눔고딕" pitchFamily="50" charset="-127"/>
               </a:rPr>
+              <a:t>다양한 크기로 제공되어 사용자의 필요에 맞게 선택 가능</a:t>
+            </a:r>
+            <a:r>
+              <a:rPr lang="en-US" altLang="ko-KR" sz="800" b="1" dirty="0">
+                <a:latin typeface="나눔고딕" pitchFamily="50" charset="-127"/>
+                <a:ea typeface="나눔고딕" pitchFamily="50" charset="-127"/>
+              </a:rPr>
+              <a:t>. </a:t>
+            </a:r>
+            <a:r>
+              <a:rPr lang="ko-KR" altLang="en-US" sz="800" b="1" dirty="0" err="1">
+                <a:latin typeface="나눔고딕" pitchFamily="50" charset="-127"/>
+                <a:ea typeface="나눔고딕" pitchFamily="50" charset="-127"/>
+              </a:rPr>
+              <a:t>재학습이</a:t>
+            </a:r>
+            <a:r>
+              <a:rPr lang="ko-KR" altLang="en-US" sz="800" b="1" dirty="0">
+                <a:latin typeface="나눔고딕" pitchFamily="50" charset="-127"/>
+                <a:ea typeface="나눔고딕" pitchFamily="50" charset="-127"/>
+              </a:rPr>
+              <a:t> 가능하여 특정 도메인에 맞게 최적화하며</a:t>
+            </a:r>
+            <a:r>
+              <a:rPr lang="en-US" altLang="ko-KR" sz="800" b="1" dirty="0">
+                <a:latin typeface="나눔고딕" pitchFamily="50" charset="-127"/>
+                <a:ea typeface="나눔고딕" pitchFamily="50" charset="-127"/>
+              </a:rPr>
+              <a:t>, </a:t>
+            </a:r>
+            <a:r>
+              <a:rPr lang="ko-KR" altLang="en-US" sz="800" b="1" dirty="0" err="1">
+                <a:latin typeface="나눔고딕" pitchFamily="50" charset="-127"/>
+                <a:ea typeface="나눔고딕" pitchFamily="50" charset="-127"/>
+              </a:rPr>
+              <a:t>오픈소스</a:t>
+            </a:r>
+            <a:r>
+              <a:rPr lang="ko-KR" altLang="en-US" sz="800" b="1" dirty="0">
+                <a:latin typeface="나눔고딕" pitchFamily="50" charset="-127"/>
+                <a:ea typeface="나눔고딕" pitchFamily="50" charset="-127"/>
+              </a:rPr>
+              <a:t> </a:t>
+            </a:r>
+            <a:r>
+              <a:rPr lang="ko-KR" altLang="en-US" sz="800" b="1" dirty="0" err="1">
+                <a:latin typeface="나눔고딕" pitchFamily="50" charset="-127"/>
+                <a:ea typeface="나눔고딕" pitchFamily="50" charset="-127"/>
+              </a:rPr>
+              <a:t>라이센스</a:t>
+            </a:r>
+            <a:r>
+              <a:rPr lang="ko-KR" altLang="en-US" sz="800" b="1" dirty="0">
+                <a:latin typeface="나눔고딕" pitchFamily="50" charset="-127"/>
+                <a:ea typeface="나눔고딕" pitchFamily="50" charset="-127"/>
+              </a:rPr>
               <a:t> 하에 공개되어 있어 연구 및 비상업적 목적으로 사용 가능</a:t>
             </a:r>
-            <a:endParaRPr lang="ko-KR" altLang="en-US" sz="800" b="1" dirty="0">
-              <a:latin typeface="나눔고딕" pitchFamily="50" charset="-127"/>
-              <a:ea typeface="나눔고딕" pitchFamily="50" charset="-127"/>
-            </a:endParaRPr>
           </a:p>
         </p:txBody>
       </p:sp>
@@ -7776,114 +7952,103 @@
               </a:lnSpc>
             </a:pPr>
             <a:r>
-              <a:rPr lang="ko-KR" altLang="en-US" sz="1000" dirty="0" smtClean="0">
+              <a:rPr lang="ko-KR" altLang="en-US" sz="1000" dirty="0">
                 <a:latin typeface="HY중고딕" pitchFamily="18" charset="-127"/>
                 <a:ea typeface="HY중고딕" pitchFamily="18" charset="-127"/>
               </a:rPr>
               <a:t> </a:t>
             </a:r>
             <a:r>
-              <a:rPr lang="ko-KR" altLang="en-US" sz="800" b="1" dirty="0" smtClean="0">
+              <a:rPr lang="ko-KR" altLang="en-US" sz="800" b="1" dirty="0">
                 <a:latin typeface="나눔고딕" pitchFamily="50" charset="-127"/>
                 <a:ea typeface="나눔고딕" pitchFamily="50" charset="-127"/>
               </a:rPr>
               <a:t>자연어 처리 및 </a:t>
             </a:r>
             <a:r>
-              <a:rPr lang="ko-KR" altLang="en-US" sz="800" b="1" dirty="0" err="1" smtClean="0">
+              <a:rPr lang="ko-KR" altLang="en-US" sz="800" b="1" dirty="0" err="1">
                 <a:latin typeface="나눔고딕" pitchFamily="50" charset="-127"/>
                 <a:ea typeface="나눔고딕" pitchFamily="50" charset="-127"/>
               </a:rPr>
               <a:t>머신러닝</a:t>
             </a:r>
             <a:r>
-              <a:rPr lang="ko-KR" altLang="en-US" sz="800" b="1" dirty="0" smtClean="0">
+              <a:rPr lang="ko-KR" altLang="en-US" sz="800" b="1" dirty="0">
                 <a:latin typeface="나눔고딕" pitchFamily="50" charset="-127"/>
                 <a:ea typeface="나눔고딕" pitchFamily="50" charset="-127"/>
               </a:rPr>
               <a:t> 분야에서 인기 있는 </a:t>
             </a:r>
             <a:r>
-              <a:rPr lang="ko-KR" altLang="en-US" sz="800" b="1" dirty="0" err="1" smtClean="0">
+              <a:rPr lang="ko-KR" altLang="en-US" sz="800" b="1" dirty="0" err="1">
                 <a:latin typeface="나눔고딕" pitchFamily="50" charset="-127"/>
                 <a:ea typeface="나눔고딕" pitchFamily="50" charset="-127"/>
               </a:rPr>
               <a:t>오픈소스</a:t>
             </a:r>
             <a:r>
-              <a:rPr lang="ko-KR" altLang="en-US" sz="800" b="1" dirty="0" smtClean="0">
+              <a:rPr lang="ko-KR" altLang="en-US" sz="800" b="1" dirty="0">
                 <a:latin typeface="나눔고딕" pitchFamily="50" charset="-127"/>
                 <a:ea typeface="나눔고딕" pitchFamily="50" charset="-127"/>
               </a:rPr>
               <a:t> 플랫폼으로</a:t>
-            </a:r>
-            <a:r>
-              <a:rPr lang="en-US" altLang="ko-KR" sz="800" b="1" dirty="0" smtClean="0">
-                <a:latin typeface="나눔고딕" pitchFamily="50" charset="-127"/>
-                <a:ea typeface="나눔고딕" pitchFamily="50" charset="-127"/>
-              </a:rPr>
-              <a:t>, </a:t>
-            </a:r>
-            <a:r>
-              <a:rPr lang="ko-KR" altLang="en-US" sz="800" b="1" dirty="0" smtClean="0">
-                <a:latin typeface="나눔고딕" pitchFamily="50" charset="-127"/>
-                <a:ea typeface="나눔고딕" pitchFamily="50" charset="-127"/>
-              </a:rPr>
-              <a:t>다양한 </a:t>
-            </a:r>
-            <a:r>
-              <a:rPr lang="ko-KR" altLang="en-US" sz="800" b="1" dirty="0" err="1" smtClean="0">
-                <a:latin typeface="나눔고딕" pitchFamily="50" charset="-127"/>
-                <a:ea typeface="나눔고딕" pitchFamily="50" charset="-127"/>
-              </a:rPr>
-              <a:t>오픈소스</a:t>
-            </a:r>
-            <a:r>
-              <a:rPr lang="ko-KR" altLang="en-US" sz="800" b="1" dirty="0" smtClean="0">
-                <a:latin typeface="나눔고딕" pitchFamily="50" charset="-127"/>
-                <a:ea typeface="나눔고딕" pitchFamily="50" charset="-127"/>
-              </a:rPr>
-              <a:t> 라이브러리와 모델을 제공</a:t>
-            </a:r>
-            <a:r>
-              <a:rPr lang="en-US" altLang="ko-KR" sz="800" b="1" dirty="0" smtClean="0">
-                <a:latin typeface="나눔고딕" pitchFamily="50" charset="-127"/>
-                <a:ea typeface="나눔고딕" pitchFamily="50" charset="-127"/>
-              </a:rPr>
-              <a:t>.</a:t>
             </a:r>
             <a:r>
               <a:rPr lang="en-US" altLang="ko-KR" sz="800" b="1" dirty="0">
                 <a:latin typeface="나눔고딕" pitchFamily="50" charset="-127"/>
                 <a:ea typeface="나눔고딕" pitchFamily="50" charset="-127"/>
               </a:rPr>
-              <a:t> </a:t>
-            </a:r>
-            <a:r>
-              <a:rPr lang="ko-KR" altLang="en-US" sz="800" b="1" dirty="0" smtClean="0">
+              <a:t>, </a:t>
+            </a:r>
+            <a:r>
+              <a:rPr lang="ko-KR" altLang="en-US" sz="800" b="1" dirty="0">
                 <a:latin typeface="나눔고딕" pitchFamily="50" charset="-127"/>
                 <a:ea typeface="나눔고딕" pitchFamily="50" charset="-127"/>
               </a:rPr>
-              <a:t>모델 허브를 통해 사용자들이 자신이 개발한 모델을 공유하고</a:t>
-            </a:r>
-            <a:r>
-              <a:rPr lang="en-US" altLang="ko-KR" sz="800" b="1" dirty="0" smtClean="0">
+              <a:t>다양한 </a:t>
+            </a:r>
+            <a:r>
+              <a:rPr lang="ko-KR" altLang="en-US" sz="800" b="1" dirty="0" err="1">
                 <a:latin typeface="나눔고딕" pitchFamily="50" charset="-127"/>
                 <a:ea typeface="나눔고딕" pitchFamily="50" charset="-127"/>
               </a:rPr>
-              <a:t>, </a:t>
-            </a:r>
-            <a:r>
-              <a:rPr lang="ko-KR" altLang="en-US" sz="800" b="1" dirty="0" smtClean="0">
+              <a:t>오픈소스</a:t>
+            </a:r>
+            <a:r>
+              <a:rPr lang="ko-KR" altLang="en-US" sz="800" b="1" dirty="0">
                 <a:latin typeface="나눔고딕" pitchFamily="50" charset="-127"/>
                 <a:ea typeface="나눔고딕" pitchFamily="50" charset="-127"/>
               </a:rPr>
+              <a:t> 라이브러리와 모델을 제공</a:t>
+            </a:r>
+            <a:r>
+              <a:rPr lang="en-US" altLang="ko-KR" sz="800" b="1" dirty="0">
+                <a:latin typeface="나눔고딕" pitchFamily="50" charset="-127"/>
+                <a:ea typeface="나눔고딕" pitchFamily="50" charset="-127"/>
+              </a:rPr>
+              <a:t>. </a:t>
+            </a:r>
+            <a:r>
+              <a:rPr lang="ko-KR" altLang="en-US" sz="800" b="1" dirty="0">
+                <a:latin typeface="나눔고딕" pitchFamily="50" charset="-127"/>
+                <a:ea typeface="나눔고딕" pitchFamily="50" charset="-127"/>
+              </a:rPr>
+              <a:t>모델 허브를 통해 사용자들이 자신이 개발한 모델을 공유하고</a:t>
+            </a:r>
+            <a:r>
+              <a:rPr lang="en-US" altLang="ko-KR" sz="800" b="1" dirty="0">
+                <a:latin typeface="나눔고딕" pitchFamily="50" charset="-127"/>
+                <a:ea typeface="나눔고딕" pitchFamily="50" charset="-127"/>
+              </a:rPr>
+              <a:t>, </a:t>
+            </a:r>
+            <a:r>
+              <a:rPr lang="ko-KR" altLang="en-US" sz="800" b="1" dirty="0">
+                <a:latin typeface="나눔고딕" pitchFamily="50" charset="-127"/>
+                <a:ea typeface="나눔고딕" pitchFamily="50" charset="-127"/>
+              </a:rPr>
               <a:t>다른 사람들의 모델을 활용할 수 있도록 지원</a:t>
             </a:r>
-            <a:endParaRPr lang="ko-KR" altLang="en-US" sz="800" b="1" dirty="0">
-              <a:latin typeface="나눔고딕" pitchFamily="50" charset="-127"/>
-              <a:ea typeface="나눔고딕" pitchFamily="50" charset="-127"/>
-            </a:endParaRPr>
           </a:p>
         </p:txBody>
       </p:sp>
@@ -7915,102 +8080,32 @@
               </a:lnSpc>
             </a:pPr>
             <a:r>
-              <a:rPr lang="ko-KR" altLang="en-US" sz="1000" dirty="0" smtClean="0">
+              <a:rPr lang="ko-KR" altLang="en-US" sz="1000" dirty="0">
                 <a:latin typeface="HY중고딕" pitchFamily="18" charset="-127"/>
                 <a:ea typeface="HY중고딕" pitchFamily="18" charset="-127"/>
               </a:rPr>
               <a:t> </a:t>
             </a:r>
             <a:r>
-              <a:rPr lang="ko-KR" altLang="en-US" sz="800" b="1" dirty="0" err="1" smtClean="0">
+              <a:rPr lang="ko-KR" altLang="en-US" sz="800" b="1" dirty="0" err="1">
                 <a:latin typeface="나눔고딕" pitchFamily="50" charset="-127"/>
                 <a:ea typeface="나눔고딕" pitchFamily="50" charset="-127"/>
               </a:rPr>
               <a:t>클라우드</a:t>
             </a:r>
             <a:r>
-              <a:rPr lang="ko-KR" altLang="en-US" sz="800" b="1" dirty="0" smtClean="0">
+              <a:rPr lang="ko-KR" altLang="en-US" sz="800" b="1" dirty="0">
                 <a:latin typeface="나눔고딕" pitchFamily="50" charset="-127"/>
                 <a:ea typeface="나눔고딕" pitchFamily="50" charset="-127"/>
               </a:rPr>
               <a:t> 기반의 </a:t>
             </a:r>
             <a:r>
-              <a:rPr lang="en-US" altLang="ko-KR" sz="800" b="1" dirty="0" err="1" smtClean="0">
+              <a:rPr lang="en-US" altLang="ko-KR" sz="800" b="1" dirty="0" err="1">
                 <a:latin typeface="나눔고딕" pitchFamily="50" charset="-127"/>
                 <a:ea typeface="나눔고딕" pitchFamily="50" charset="-127"/>
               </a:rPr>
               <a:t>Jupyter</a:t>
-            </a:r>
-            <a:r>
-              <a:rPr lang="en-US" altLang="ko-KR" sz="800" b="1" dirty="0" smtClean="0">
-                <a:latin typeface="나눔고딕" pitchFamily="50" charset="-127"/>
-                <a:ea typeface="나눔고딕" pitchFamily="50" charset="-127"/>
-              </a:rPr>
-              <a:t> </a:t>
-            </a:r>
-            <a:r>
-              <a:rPr lang="ko-KR" altLang="en-US" sz="800" b="1" dirty="0" smtClean="0">
-                <a:latin typeface="나눔고딕" pitchFamily="50" charset="-127"/>
-                <a:ea typeface="나눔고딕" pitchFamily="50" charset="-127"/>
-              </a:rPr>
-              <a:t>노트북 서비스로</a:t>
-            </a:r>
-            <a:r>
-              <a:rPr lang="en-US" altLang="ko-KR" sz="800" b="1" dirty="0" smtClean="0">
-                <a:latin typeface="나눔고딕" pitchFamily="50" charset="-127"/>
-                <a:ea typeface="나눔고딕" pitchFamily="50" charset="-127"/>
-              </a:rPr>
-              <a:t>, </a:t>
-            </a:r>
-            <a:r>
-              <a:rPr lang="ko-KR" altLang="en-US" sz="800" b="1" dirty="0" smtClean="0">
-                <a:latin typeface="나눔고딕" pitchFamily="50" charset="-127"/>
-                <a:ea typeface="나눔고딕" pitchFamily="50" charset="-127"/>
-              </a:rPr>
-              <a:t>데이터 분석</a:t>
-            </a:r>
-            <a:r>
-              <a:rPr lang="en-US" altLang="ko-KR" sz="800" b="1" dirty="0" smtClean="0">
-                <a:latin typeface="나눔고딕" pitchFamily="50" charset="-127"/>
-                <a:ea typeface="나눔고딕" pitchFamily="50" charset="-127"/>
-              </a:rPr>
-              <a:t>, </a:t>
-            </a:r>
-            <a:r>
-              <a:rPr lang="ko-KR" altLang="en-US" sz="800" b="1" dirty="0" err="1" smtClean="0">
-                <a:latin typeface="나눔고딕" pitchFamily="50" charset="-127"/>
-                <a:ea typeface="나눔고딕" pitchFamily="50" charset="-127"/>
-              </a:rPr>
-              <a:t>머신러닝</a:t>
-            </a:r>
-            <a:r>
-              <a:rPr lang="en-US" altLang="ko-KR" sz="800" b="1" dirty="0" smtClean="0">
-                <a:latin typeface="나눔고딕" pitchFamily="50" charset="-127"/>
-                <a:ea typeface="나눔고딕" pitchFamily="50" charset="-127"/>
-              </a:rPr>
-              <a:t>, </a:t>
-            </a:r>
-            <a:r>
-              <a:rPr lang="ko-KR" altLang="en-US" sz="800" b="1" dirty="0" err="1" smtClean="0">
-                <a:latin typeface="나눔고딕" pitchFamily="50" charset="-127"/>
-                <a:ea typeface="나눔고딕" pitchFamily="50" charset="-127"/>
-              </a:rPr>
-              <a:t>딥러닝</a:t>
-            </a:r>
-            <a:r>
-              <a:rPr lang="ko-KR" altLang="en-US" sz="800" b="1" dirty="0" smtClean="0">
-                <a:latin typeface="나눔고딕" pitchFamily="50" charset="-127"/>
-                <a:ea typeface="나눔고딕" pitchFamily="50" charset="-127"/>
-              </a:rPr>
-              <a:t> 등을 손쉽게 수행할 수 있도록 도움</a:t>
-            </a:r>
-            <a:r>
-              <a:rPr lang="en-US" altLang="ko-KR" sz="800" b="1" dirty="0" smtClean="0">
-                <a:latin typeface="나눔고딕" pitchFamily="50" charset="-127"/>
-                <a:ea typeface="나눔고딕" pitchFamily="50" charset="-127"/>
-              </a:rPr>
-              <a:t>.</a:t>
             </a:r>
             <a:r>
               <a:rPr lang="en-US" altLang="ko-KR" sz="800" b="1" dirty="0">
@@ -8020,93 +8115,131 @@
               <a:t> </a:t>
             </a:r>
             <a:r>
-              <a:rPr lang="en-US" altLang="ko-KR" sz="800" b="1" dirty="0" smtClean="0">
+              <a:rPr lang="ko-KR" altLang="en-US" sz="800" b="1" dirty="0">
                 <a:latin typeface="나눔고딕" pitchFamily="50" charset="-127"/>
                 <a:ea typeface="나눔고딕" pitchFamily="50" charset="-127"/>
               </a:rPr>
-              <a:t>Python </a:t>
-            </a:r>
-            <a:r>
-              <a:rPr lang="ko-KR" altLang="en-US" sz="800" b="1" dirty="0" smtClean="0">
-                <a:latin typeface="나눔고딕" pitchFamily="50" charset="-127"/>
-                <a:ea typeface="나눔고딕" pitchFamily="50" charset="-127"/>
-              </a:rPr>
-              <a:t>코드로 작동되며</a:t>
-            </a:r>
-            <a:r>
-              <a:rPr lang="en-US" altLang="ko-KR" sz="800" b="1" dirty="0" smtClean="0">
-                <a:latin typeface="나눔고딕" pitchFamily="50" charset="-127"/>
-                <a:ea typeface="나눔고딕" pitchFamily="50" charset="-127"/>
-              </a:rPr>
-              <a:t>, Google Drive</a:t>
-            </a:r>
-            <a:r>
-              <a:rPr lang="ko-KR" altLang="en-US" sz="800" b="1" dirty="0" smtClean="0">
-                <a:latin typeface="나눔고딕" pitchFamily="50" charset="-127"/>
-                <a:ea typeface="나눔고딕" pitchFamily="50" charset="-127"/>
-              </a:rPr>
-              <a:t>와 통합되어 파일 저장 및 공유가 용이</a:t>
-            </a:r>
-            <a:r>
-              <a:rPr lang="en-US" altLang="ko-KR" sz="800" b="1" dirty="0" smtClean="0">
-                <a:latin typeface="나눔고딕" pitchFamily="50" charset="-127"/>
-                <a:ea typeface="나눔고딕" pitchFamily="50" charset="-127"/>
-              </a:rPr>
-              <a:t>.</a:t>
+              <a:t>노트북 서비스로</a:t>
             </a:r>
             <a:r>
               <a:rPr lang="en-US" altLang="ko-KR" sz="800" b="1" dirty="0">
                 <a:latin typeface="나눔고딕" pitchFamily="50" charset="-127"/>
                 <a:ea typeface="나눔고딕" pitchFamily="50" charset="-127"/>
               </a:rPr>
-              <a:t> </a:t>
-            </a:r>
-            <a:r>
-              <a:rPr lang="en-US" altLang="ko-KR" sz="800" b="1" dirty="0" smtClean="0">
+              <a:t>, </a:t>
+            </a:r>
+            <a:r>
+              <a:rPr lang="ko-KR" altLang="en-US" sz="800" b="1" dirty="0">
                 <a:latin typeface="나눔고딕" pitchFamily="50" charset="-127"/>
                 <a:ea typeface="나눔고딕" pitchFamily="50" charset="-127"/>
               </a:rPr>
-              <a:t>GPU</a:t>
-            </a:r>
-            <a:r>
-              <a:rPr lang="ko-KR" altLang="en-US" sz="800" b="1" dirty="0" smtClean="0">
+              <a:t>데이터 분석</a:t>
+            </a:r>
+            <a:r>
+              <a:rPr lang="en-US" altLang="ko-KR" sz="800" b="1" dirty="0">
                 <a:latin typeface="나눔고딕" pitchFamily="50" charset="-127"/>
                 <a:ea typeface="나눔고딕" pitchFamily="50" charset="-127"/>
               </a:rPr>
-              <a:t>와 </a:t>
-            </a:r>
-            <a:r>
-              <a:rPr lang="en-US" altLang="ko-KR" sz="800" b="1" dirty="0" smtClean="0">
+              <a:t>, </a:t>
+            </a:r>
+            <a:r>
+              <a:rPr lang="ko-KR" altLang="en-US" sz="800" b="1" dirty="0" err="1">
                 <a:latin typeface="나눔고딕" pitchFamily="50" charset="-127"/>
                 <a:ea typeface="나눔고딕" pitchFamily="50" charset="-127"/>
               </a:rPr>
-              <a:t>TPU</a:t>
-            </a:r>
-            <a:r>
-              <a:rPr lang="ko-KR" altLang="en-US" sz="800" b="1" dirty="0" smtClean="0">
+              <a:t>머신러닝</a:t>
+            </a:r>
+            <a:r>
+              <a:rPr lang="en-US" altLang="ko-KR" sz="800" b="1" dirty="0">
                 <a:latin typeface="나눔고딕" pitchFamily="50" charset="-127"/>
                 <a:ea typeface="나눔고딕" pitchFamily="50" charset="-127"/>
               </a:rPr>
-              <a:t>를 제공하여 다양한 </a:t>
-            </a:r>
-            <a:r>
-              <a:rPr lang="ko-KR" altLang="en-US" sz="800" b="1" dirty="0" err="1" smtClean="0">
+              <a:t>, </a:t>
+            </a:r>
+            <a:r>
+              <a:rPr lang="ko-KR" altLang="en-US" sz="800" b="1" dirty="0" err="1">
                 <a:latin typeface="나눔고딕" pitchFamily="50" charset="-127"/>
                 <a:ea typeface="나눔고딕" pitchFamily="50" charset="-127"/>
               </a:rPr>
-              <a:t>오픈소스</a:t>
-            </a:r>
-            <a:r>
-              <a:rPr lang="ko-KR" altLang="en-US" sz="800" b="1" dirty="0" smtClean="0">
+              <a:t>딥러닝</a:t>
+            </a:r>
+            <a:r>
+              <a:rPr lang="ko-KR" altLang="en-US" sz="800" b="1" dirty="0">
                 <a:latin typeface="나눔고딕" pitchFamily="50" charset="-127"/>
                 <a:ea typeface="나눔고딕" pitchFamily="50" charset="-127"/>
               </a:rPr>
+              <a:t> 등을 손쉽게 수행할 수 있도록 도움</a:t>
+            </a:r>
+            <a:r>
+              <a:rPr lang="en-US" altLang="ko-KR" sz="800" b="1" dirty="0">
+                <a:latin typeface="나눔고딕" pitchFamily="50" charset="-127"/>
+                <a:ea typeface="나눔고딕" pitchFamily="50" charset="-127"/>
+              </a:rPr>
+              <a:t>. Python </a:t>
+            </a:r>
+            <a:r>
+              <a:rPr lang="ko-KR" altLang="en-US" sz="800" b="1" dirty="0">
+                <a:latin typeface="나눔고딕" pitchFamily="50" charset="-127"/>
+                <a:ea typeface="나눔고딕" pitchFamily="50" charset="-127"/>
+              </a:rPr>
+              <a:t>코드로 작동되며</a:t>
+            </a:r>
+            <a:r>
+              <a:rPr lang="en-US" altLang="ko-KR" sz="800" b="1" dirty="0">
+                <a:latin typeface="나눔고딕" pitchFamily="50" charset="-127"/>
+                <a:ea typeface="나눔고딕" pitchFamily="50" charset="-127"/>
+              </a:rPr>
+              <a:t>, Google Drive</a:t>
+            </a:r>
+            <a:r>
+              <a:rPr lang="ko-KR" altLang="en-US" sz="800" b="1" dirty="0">
+                <a:latin typeface="나눔고딕" pitchFamily="50" charset="-127"/>
+                <a:ea typeface="나눔고딕" pitchFamily="50" charset="-127"/>
+              </a:rPr>
+              <a:t>와 통합되어 파일 저장 및 공유가 용이</a:t>
+            </a:r>
+            <a:r>
+              <a:rPr lang="en-US" altLang="ko-KR" sz="800" b="1" dirty="0">
+                <a:latin typeface="나눔고딕" pitchFamily="50" charset="-127"/>
+                <a:ea typeface="나눔고딕" pitchFamily="50" charset="-127"/>
+              </a:rPr>
+              <a:t>. GPU</a:t>
+            </a:r>
+            <a:r>
+              <a:rPr lang="ko-KR" altLang="en-US" sz="800" b="1" dirty="0">
+                <a:latin typeface="나눔고딕" pitchFamily="50" charset="-127"/>
+                <a:ea typeface="나눔고딕" pitchFamily="50" charset="-127"/>
+              </a:rPr>
+              <a:t>와 </a:t>
+            </a:r>
+            <a:r>
+              <a:rPr lang="en-US" altLang="ko-KR" sz="800" b="1" dirty="0">
+                <a:latin typeface="나눔고딕" pitchFamily="50" charset="-127"/>
+                <a:ea typeface="나눔고딕" pitchFamily="50" charset="-127"/>
+              </a:rPr>
+              <a:t>TPU</a:t>
+            </a:r>
+            <a:r>
+              <a:rPr lang="ko-KR" altLang="en-US" sz="800" b="1" dirty="0">
+                <a:latin typeface="나눔고딕" pitchFamily="50" charset="-127"/>
+                <a:ea typeface="나눔고딕" pitchFamily="50" charset="-127"/>
+              </a:rPr>
+              <a:t>를 제공하여 다양한 </a:t>
+            </a:r>
+            <a:r>
+              <a:rPr lang="ko-KR" altLang="en-US" sz="800" b="1" dirty="0" err="1">
+                <a:latin typeface="나눔고딕" pitchFamily="50" charset="-127"/>
+                <a:ea typeface="나눔고딕" pitchFamily="50" charset="-127"/>
+              </a:rPr>
+              <a:t>오픈소스</a:t>
+            </a:r>
+            <a:r>
+              <a:rPr lang="ko-KR" altLang="en-US" sz="800" b="1" dirty="0">
+                <a:latin typeface="나눔고딕" pitchFamily="50" charset="-127"/>
+                <a:ea typeface="나눔고딕" pitchFamily="50" charset="-127"/>
+              </a:rPr>
               <a:t> 라이브러리를 쉽게 설치하고 사용</a:t>
             </a:r>
-            <a:endParaRPr lang="ko-KR" altLang="en-US" sz="800" b="1" dirty="0">
-              <a:latin typeface="나눔고딕" pitchFamily="50" charset="-127"/>
-              <a:ea typeface="나눔고딕" pitchFamily="50" charset="-127"/>
-            </a:endParaRPr>
           </a:p>
         </p:txBody>
       </p:sp>
@@ -8138,163 +8271,152 @@
               </a:lnSpc>
             </a:pPr>
             <a:r>
-              <a:rPr lang="en-US" altLang="ko-KR" sz="1000" dirty="0" smtClean="0">
+              <a:rPr lang="en-US" altLang="ko-KR" sz="1000" dirty="0">
                 <a:latin typeface="HY중고딕" pitchFamily="18" charset="-127"/>
                 <a:ea typeface="HY중고딕" pitchFamily="18" charset="-127"/>
               </a:rPr>
               <a:t> </a:t>
-            </a:r>
-            <a:r>
-              <a:rPr lang="en-US" altLang="ko-KR" sz="800" b="1" dirty="0" smtClean="0">
-                <a:latin typeface="나눔고딕" pitchFamily="50" charset="-127"/>
-                <a:ea typeface="나눔고딕" pitchFamily="50" charset="-127"/>
-              </a:rPr>
-              <a:t>LLM</a:t>
-            </a:r>
-            <a:r>
-              <a:rPr lang="ko-KR" altLang="en-US" sz="800" b="1" dirty="0" smtClean="0">
-                <a:latin typeface="나눔고딕" pitchFamily="50" charset="-127"/>
-                <a:ea typeface="나눔고딕" pitchFamily="50" charset="-127"/>
-              </a:rPr>
-              <a:t>으로</a:t>
-            </a:r>
-            <a:r>
-              <a:rPr lang="en-US" altLang="ko-KR" sz="800" b="1" dirty="0" smtClean="0">
-                <a:latin typeface="나눔고딕" pitchFamily="50" charset="-127"/>
-                <a:ea typeface="나눔고딕" pitchFamily="50" charset="-127"/>
-              </a:rPr>
-              <a:t>, </a:t>
-            </a:r>
-            <a:r>
-              <a:rPr lang="ko-KR" altLang="en-US" sz="800" b="1" dirty="0" smtClean="0">
-                <a:latin typeface="나눔고딕" pitchFamily="50" charset="-127"/>
-                <a:ea typeface="나눔고딕" pitchFamily="50" charset="-127"/>
-              </a:rPr>
-              <a:t>주로 자연어 처리</a:t>
-            </a:r>
-            <a:r>
-              <a:rPr lang="en-US" altLang="ko-KR" sz="800" b="1" dirty="0" smtClean="0">
-                <a:latin typeface="나눔고딕" pitchFamily="50" charset="-127"/>
-                <a:ea typeface="나눔고딕" pitchFamily="50" charset="-127"/>
-              </a:rPr>
-              <a:t> </a:t>
-            </a:r>
-            <a:r>
-              <a:rPr lang="ko-KR" altLang="en-US" sz="800" b="1" dirty="0" smtClean="0">
-                <a:latin typeface="나눔고딕" pitchFamily="50" charset="-127"/>
-                <a:ea typeface="나눔고딕" pitchFamily="50" charset="-127"/>
-              </a:rPr>
-              <a:t>작업에 사용되며</a:t>
-            </a:r>
-            <a:r>
-              <a:rPr lang="en-US" altLang="ko-KR" sz="800" b="1" dirty="0" smtClean="0">
-                <a:latin typeface="나눔고딕" pitchFamily="50" charset="-127"/>
-                <a:ea typeface="나눔고딕" pitchFamily="50" charset="-127"/>
-              </a:rPr>
-              <a:t>, </a:t>
-            </a:r>
-            <a:r>
-              <a:rPr lang="ko-KR" altLang="en-US" sz="800" b="1" dirty="0" smtClean="0">
-                <a:latin typeface="나눔고딕" pitchFamily="50" charset="-127"/>
-                <a:ea typeface="나눔고딕" pitchFamily="50" charset="-127"/>
-              </a:rPr>
-              <a:t>텍스트 생성</a:t>
-            </a:r>
-            <a:r>
-              <a:rPr lang="en-US" altLang="ko-KR" sz="800" b="1" dirty="0" smtClean="0">
-                <a:latin typeface="나눔고딕" pitchFamily="50" charset="-127"/>
-                <a:ea typeface="나눔고딕" pitchFamily="50" charset="-127"/>
-              </a:rPr>
-              <a:t>, </a:t>
-            </a:r>
-            <a:r>
-              <a:rPr lang="ko-KR" altLang="en-US" sz="800" b="1" dirty="0" smtClean="0">
-                <a:latin typeface="나눔고딕" pitchFamily="50" charset="-127"/>
-                <a:ea typeface="나눔고딕" pitchFamily="50" charset="-127"/>
-              </a:rPr>
-              <a:t>질문 답변</a:t>
-            </a:r>
-            <a:r>
-              <a:rPr lang="en-US" altLang="ko-KR" sz="800" b="1" dirty="0" smtClean="0">
-                <a:latin typeface="나눔고딕" pitchFamily="50" charset="-127"/>
-                <a:ea typeface="나눔고딕" pitchFamily="50" charset="-127"/>
-              </a:rPr>
-              <a:t>, </a:t>
-            </a:r>
-            <a:r>
-              <a:rPr lang="ko-KR" altLang="en-US" sz="800" b="1" dirty="0" smtClean="0">
-                <a:latin typeface="나눔고딕" pitchFamily="50" charset="-127"/>
-                <a:ea typeface="나눔고딕" pitchFamily="50" charset="-127"/>
-              </a:rPr>
-              <a:t>요약 등 다양한 응용 분야에서 활용 가능</a:t>
-            </a:r>
-            <a:r>
-              <a:rPr lang="en-US" altLang="ko-KR" sz="800" b="1" dirty="0" smtClean="0">
-                <a:latin typeface="나눔고딕" pitchFamily="50" charset="-127"/>
-                <a:ea typeface="나눔고딕" pitchFamily="50" charset="-127"/>
-              </a:rPr>
-              <a:t>.</a:t>
             </a:r>
             <a:r>
               <a:rPr lang="en-US" altLang="ko-KR" sz="800" b="1" dirty="0">
                 <a:latin typeface="나눔고딕" pitchFamily="50" charset="-127"/>
                 <a:ea typeface="나눔고딕" pitchFamily="50" charset="-127"/>
               </a:rPr>
-              <a:t> </a:t>
-            </a:r>
-            <a:r>
-              <a:rPr lang="ko-KR" altLang="en-US" sz="800" b="1" dirty="0" err="1" smtClean="0">
+              <a:t>LLM</a:t>
+            </a:r>
+            <a:r>
+              <a:rPr lang="ko-KR" altLang="en-US" sz="800" b="1" dirty="0">
                 <a:latin typeface="나눔고딕" pitchFamily="50" charset="-127"/>
                 <a:ea typeface="나눔고딕" pitchFamily="50" charset="-127"/>
               </a:rPr>
-              <a:t>오픈소스로</a:t>
-            </a:r>
-            <a:r>
-              <a:rPr lang="ko-KR" altLang="en-US" sz="800" b="1" dirty="0" smtClean="0">
+              <a:t>으로</a:t>
+            </a:r>
+            <a:r>
+              <a:rPr lang="en-US" altLang="ko-KR" sz="800" b="1" dirty="0">
                 <a:latin typeface="나눔고딕" pitchFamily="50" charset="-127"/>
                 <a:ea typeface="나눔고딕" pitchFamily="50" charset="-127"/>
               </a:rPr>
-              <a:t> 제공되어 연구자와 개발자들이 쉽게 접근하고 사용할 수 있으며</a:t>
-            </a:r>
-            <a:r>
-              <a:rPr lang="en-US" altLang="ko-KR" sz="800" b="1" dirty="0" smtClean="0">
+              <a:t>, </a:t>
+            </a:r>
+            <a:r>
+              <a:rPr lang="ko-KR" altLang="en-US" sz="800" b="1" dirty="0">
                 <a:latin typeface="나눔고딕" pitchFamily="50" charset="-127"/>
                 <a:ea typeface="나눔고딕" pitchFamily="50" charset="-127"/>
               </a:rPr>
-              <a:t>, </a:t>
-            </a:r>
-            <a:r>
-              <a:rPr lang="ko-KR" altLang="en-US" sz="800" b="1" dirty="0" err="1" smtClean="0">
+              <a:t>주로 자연어 처리</a:t>
+            </a:r>
+            <a:r>
+              <a:rPr lang="en-US" altLang="ko-KR" sz="800" b="1" dirty="0">
                 <a:latin typeface="나눔고딕" pitchFamily="50" charset="-127"/>
                 <a:ea typeface="나눔고딕" pitchFamily="50" charset="-127"/>
               </a:rPr>
-              <a:t>커스터마이징</a:t>
-            </a:r>
-            <a:r>
-              <a:rPr lang="ko-KR" altLang="en-US" sz="800" b="1" dirty="0" smtClean="0">
+              <a:t> </a:t>
+            </a:r>
+            <a:r>
+              <a:rPr lang="ko-KR" altLang="en-US" sz="800" b="1" dirty="0">
                 <a:latin typeface="나눔고딕" pitchFamily="50" charset="-127"/>
                 <a:ea typeface="나눔고딕" pitchFamily="50" charset="-127"/>
               </a:rPr>
-              <a:t> 및 </a:t>
-            </a:r>
-            <a:r>
-              <a:rPr lang="ko-KR" altLang="en-US" sz="800" b="1" dirty="0" err="1" smtClean="0">
+              <a:t>작업에 사용되며</a:t>
+            </a:r>
+            <a:r>
+              <a:rPr lang="en-US" altLang="ko-KR" sz="800" b="1" dirty="0">
                 <a:latin typeface="나눔고딕" pitchFamily="50" charset="-127"/>
                 <a:ea typeface="나눔고딕" pitchFamily="50" charset="-127"/>
               </a:rPr>
-              <a:t>파인튜닝이</a:t>
-            </a:r>
-            <a:r>
-              <a:rPr lang="ko-KR" altLang="en-US" sz="800" b="1" dirty="0" smtClean="0">
+              <a:t>, </a:t>
+            </a:r>
+            <a:r>
+              <a:rPr lang="ko-KR" altLang="en-US" sz="800" b="1" dirty="0">
                 <a:latin typeface="나눔고딕" pitchFamily="50" charset="-127"/>
                 <a:ea typeface="나눔고딕" pitchFamily="50" charset="-127"/>
               </a:rPr>
+              <a:t>텍스트 생성</a:t>
+            </a:r>
+            <a:r>
+              <a:rPr lang="en-US" altLang="ko-KR" sz="800" b="1" dirty="0">
+                <a:latin typeface="나눔고딕" pitchFamily="50" charset="-127"/>
+                <a:ea typeface="나눔고딕" pitchFamily="50" charset="-127"/>
+              </a:rPr>
+              <a:t>, </a:t>
+            </a:r>
+            <a:r>
+              <a:rPr lang="ko-KR" altLang="en-US" sz="800" b="1" dirty="0">
+                <a:latin typeface="나눔고딕" pitchFamily="50" charset="-127"/>
+                <a:ea typeface="나눔고딕" pitchFamily="50" charset="-127"/>
+              </a:rPr>
+              <a:t>질문 답변</a:t>
+            </a:r>
+            <a:r>
+              <a:rPr lang="en-US" altLang="ko-KR" sz="800" b="1" dirty="0">
+                <a:latin typeface="나눔고딕" pitchFamily="50" charset="-127"/>
+                <a:ea typeface="나눔고딕" pitchFamily="50" charset="-127"/>
+              </a:rPr>
+              <a:t>, </a:t>
+            </a:r>
+            <a:r>
+              <a:rPr lang="ko-KR" altLang="en-US" sz="800" b="1" dirty="0">
+                <a:latin typeface="나눔고딕" pitchFamily="50" charset="-127"/>
+                <a:ea typeface="나눔고딕" pitchFamily="50" charset="-127"/>
+              </a:rPr>
+              <a:t>요약 등 다양한 응용 분야에서 활용 가능</a:t>
+            </a:r>
+            <a:r>
+              <a:rPr lang="en-US" altLang="ko-KR" sz="800" b="1" dirty="0">
+                <a:latin typeface="나눔고딕" pitchFamily="50" charset="-127"/>
+                <a:ea typeface="나눔고딕" pitchFamily="50" charset="-127"/>
+              </a:rPr>
+              <a:t>. </a:t>
+            </a:r>
+            <a:r>
+              <a:rPr lang="ko-KR" altLang="en-US" sz="800" b="1" dirty="0" err="1">
+                <a:latin typeface="나눔고딕" pitchFamily="50" charset="-127"/>
+                <a:ea typeface="나눔고딕" pitchFamily="50" charset="-127"/>
+              </a:rPr>
+              <a:t>오픈소스로</a:t>
+            </a:r>
+            <a:r>
+              <a:rPr lang="ko-KR" altLang="en-US" sz="800" b="1" dirty="0">
+                <a:latin typeface="나눔고딕" pitchFamily="50" charset="-127"/>
+                <a:ea typeface="나눔고딕" pitchFamily="50" charset="-127"/>
+              </a:rPr>
+              <a:t> 제공되어 연구자와 개발자들이 쉽게 접근하고 사용할 수 있으며</a:t>
+            </a:r>
+            <a:r>
+              <a:rPr lang="en-US" altLang="ko-KR" sz="800" b="1" dirty="0">
+                <a:latin typeface="나눔고딕" pitchFamily="50" charset="-127"/>
+                <a:ea typeface="나눔고딕" pitchFamily="50" charset="-127"/>
+              </a:rPr>
+              <a:t>, </a:t>
+            </a:r>
+            <a:r>
+              <a:rPr lang="ko-KR" altLang="en-US" sz="800" b="1" dirty="0" err="1">
+                <a:latin typeface="나눔고딕" pitchFamily="50" charset="-127"/>
+                <a:ea typeface="나눔고딕" pitchFamily="50" charset="-127"/>
+              </a:rPr>
+              <a:t>커스터마이징</a:t>
+            </a:r>
+            <a:r>
+              <a:rPr lang="ko-KR" altLang="en-US" sz="800" b="1" dirty="0">
+                <a:latin typeface="나눔고딕" pitchFamily="50" charset="-127"/>
+                <a:ea typeface="나눔고딕" pitchFamily="50" charset="-127"/>
+              </a:rPr>
+              <a:t> 및 </a:t>
+            </a:r>
+            <a:r>
+              <a:rPr lang="ko-KR" altLang="en-US" sz="800" b="1" dirty="0" err="1">
+                <a:latin typeface="나눔고딕" pitchFamily="50" charset="-127"/>
+                <a:ea typeface="나눔고딕" pitchFamily="50" charset="-127"/>
+              </a:rPr>
+              <a:t>파인튜닝이</a:t>
+            </a:r>
+            <a:r>
+              <a:rPr lang="ko-KR" altLang="en-US" sz="800" b="1" dirty="0">
+                <a:latin typeface="나눔고딕" pitchFamily="50" charset="-127"/>
+                <a:ea typeface="나눔고딕" pitchFamily="50" charset="-127"/>
+              </a:rPr>
               <a:t> 가능하여 특정 도메인에 맞게 최적화</a:t>
             </a:r>
-            <a:endParaRPr lang="ko-KR" altLang="en-US" sz="800" b="1" dirty="0">
-              <a:latin typeface="나눔고딕" pitchFamily="50" charset="-127"/>
-              <a:ea typeface="나눔고딕" pitchFamily="50" charset="-127"/>
-            </a:endParaRPr>
           </a:p>
         </p:txBody>
       </p:sp>
@@ -8320,7 +8442,7 @@
           <a:lstStyle/>
           <a:p>
             <a:r>
-              <a:rPr lang="ko-KR" altLang="en-US" sz="1400" dirty="0" err="1" smtClean="0">
+              <a:rPr lang="ko-KR" altLang="en-US" sz="1400" dirty="0" err="1">
                 <a:solidFill>
                   <a:srgbClr val="BC7C7C"/>
                 </a:solidFill>
@@ -8330,7 +8452,7 @@
               <a:t>오픈소스</a:t>
             </a:r>
             <a:r>
-              <a:rPr lang="ko-KR" altLang="en-US" sz="1400" dirty="0" smtClean="0">
+              <a:rPr lang="ko-KR" altLang="en-US" sz="1400" dirty="0">
                 <a:solidFill>
                   <a:srgbClr val="BC7C7C"/>
                 </a:solidFill>
@@ -8353,13 +8475,6 @@
   <p:clrMapOvr>
     <a:masterClrMapping/>
   </p:clrMapOvr>
-  <p:timing>
-    <p:tnLst>
-      <p:par>
-        <p:cTn id="1" dur="indefinite" restart="never" nodeType="tmRoot"/>
-      </p:par>
-    </p:tnLst>
-  </p:timing>
 </p:sld>
 </file>
 
@@ -8414,17 +8529,10 @@
                 <a:latin typeface="나눔스퀘어 Bold" pitchFamily="50" charset="-127"/>
                 <a:ea typeface="나눔스퀘어 Bold" pitchFamily="50" charset="-127"/>
               </a:rPr>
-              <a:t>프로젝트  </a:t>
-            </a:r>
-            <a:r>
-              <a:rPr lang="ko-KR" altLang="en-US" sz="1400" dirty="0" smtClean="0">
-                <a:latin typeface="나눔스퀘어 Bold" pitchFamily="50" charset="-127"/>
-                <a:ea typeface="나눔스퀘어 Bold" pitchFamily="50" charset="-127"/>
-              </a:rPr>
-              <a:t>실행 과정 </a:t>
-            </a:r>
-            <a:r>
-              <a:rPr lang="en-US" altLang="ko-KR" sz="1400" dirty="0" smtClean="0">
+              <a:t>프로젝트  실행 과정 </a:t>
+            </a:r>
+            <a:r>
+              <a:rPr lang="en-US" altLang="ko-KR" sz="1400" dirty="0">
                 <a:latin typeface="나눔스퀘어 Bold" pitchFamily="50" charset="-127"/>
                 <a:ea typeface="나눔스퀘어 Bold" pitchFamily="50" charset="-127"/>
               </a:rPr>
@@ -8537,16 +8645,12 @@
           </a:lstStyle>
           <a:p>
             <a:r>
-              <a:rPr lang="ko-KR" altLang="en-US" sz="3600" dirty="0" smtClean="0">
+              <a:rPr lang="ko-KR" altLang="en-US" sz="3600" dirty="0">
                 <a:latin typeface="나눔스퀘어 Bold" pitchFamily="50" charset="-127"/>
                 <a:ea typeface="나눔스퀘어 Bold" pitchFamily="50" charset="-127"/>
               </a:rPr>
               <a:t>수학</a:t>
             </a:r>
-            <a:endParaRPr lang="ko-KR" altLang="en-US" sz="3600" dirty="0">
-              <a:latin typeface="나눔스퀘어 Bold" pitchFamily="50" charset="-127"/>
-              <a:ea typeface="나눔스퀘어 Bold" pitchFamily="50" charset="-127"/>
-            </a:endParaRPr>
           </a:p>
         </p:txBody>
       </p:sp>
@@ -8560,13 +8664,6 @@
   <p:clrMapOvr>
     <a:masterClrMapping/>
   </p:clrMapOvr>
-  <p:timing>
-    <p:tnLst>
-      <p:par>
-        <p:cTn id="1" dur="indefinite" restart="never" nodeType="tmRoot"/>
-      </p:par>
-    </p:tnLst>
-  </p:timing>
 </p:sld>
 </file>
 
@@ -8683,7 +8780,7 @@
           <a:lstStyle/>
           <a:p>
             <a:r>
-              <a:rPr lang="ko-KR" altLang="en-US" sz="3600" dirty="0" smtClean="0">
+              <a:rPr lang="ko-KR" altLang="en-US" sz="3600" dirty="0">
                 <a:solidFill>
                   <a:srgbClr val="F6EFBD"/>
                 </a:solidFill>
@@ -8692,13 +8789,6 @@
               </a:rPr>
               <a:t>라이브러리</a:t>
             </a:r>
-            <a:endParaRPr lang="ko-KR" altLang="en-US" sz="3600" dirty="0">
-              <a:solidFill>
-                <a:srgbClr val="F6EFBD"/>
-              </a:solidFill>
-              <a:latin typeface="나눔스퀘어 Bold" pitchFamily="50" charset="-127"/>
-              <a:ea typeface="나눔스퀘어 Bold" pitchFamily="50" charset="-127"/>
-            </a:endParaRPr>
           </a:p>
         </p:txBody>
       </p:sp>
@@ -8731,7 +8821,7 @@
               <a:t>프로젝트  실행 과정 </a:t>
             </a:r>
             <a:r>
-              <a:rPr lang="en-US" altLang="ko-KR" sz="1400" dirty="0" smtClean="0">
+              <a:rPr lang="en-US" altLang="ko-KR" sz="1400" dirty="0">
                 <a:latin typeface="나눔스퀘어 Bold" pitchFamily="50" charset="-127"/>
                 <a:ea typeface="나눔스퀘어 Bold" pitchFamily="50" charset="-127"/>
               </a:rPr>
@@ -8751,13 +8841,6 @@
   <p:clrMapOvr>
     <a:masterClrMapping/>
   </p:clrMapOvr>
-  <p:timing>
-    <p:tnLst>
-      <p:par>
-        <p:cTn id="1" dur="indefinite" restart="never" nodeType="tmRoot"/>
-      </p:par>
-    </p:tnLst>
-  </p:timing>
 </p:sld>
 </file>
 
@@ -8937,7 +9020,7 @@
           <a:lstStyle/>
           <a:p>
             <a:r>
-              <a:rPr lang="en-US" altLang="ko-KR" sz="3600" dirty="0" err="1" smtClean="0">
+              <a:rPr lang="en-US" altLang="ko-KR" sz="3600" dirty="0" err="1">
                 <a:solidFill>
                   <a:srgbClr val="F6EFBD"/>
                 </a:solidFill>
@@ -8995,7 +9078,7 @@
           </a:lstStyle>
           <a:p>
             <a:r>
-              <a:rPr lang="en-US" altLang="ko-KR" sz="3600" dirty="0" err="1" smtClean="0">
+              <a:rPr lang="en-US" altLang="ko-KR" sz="3600" dirty="0" err="1">
                 <a:solidFill>
                   <a:srgbClr val="F6EFBD"/>
                 </a:solidFill>
@@ -9053,7 +9136,7 @@
           </a:lstStyle>
           <a:p>
             <a:r>
-              <a:rPr lang="ko-KR" altLang="en-US" sz="2400" dirty="0" smtClean="0">
+              <a:rPr lang="ko-KR" altLang="en-US" sz="2400" dirty="0">
                 <a:solidFill>
                   <a:schemeClr val="bg1"/>
                 </a:solidFill>
@@ -9063,7 +9146,7 @@
               <a:t>효율적인 </a:t>
             </a:r>
             <a:r>
-              <a:rPr lang="en-US" altLang="ko-KR" sz="2400" dirty="0" smtClean="0">
+              <a:rPr lang="en-US" altLang="ko-KR" sz="2400" dirty="0">
                 <a:solidFill>
                   <a:schemeClr val="bg1"/>
                 </a:solidFill>
@@ -9073,7 +9156,7 @@
               <a:t>fine tuning </a:t>
             </a:r>
             <a:r>
-              <a:rPr lang="ko-KR" altLang="en-US" sz="2400" dirty="0" smtClean="0">
+              <a:rPr lang="ko-KR" altLang="en-US" sz="2400" dirty="0">
                 <a:solidFill>
                   <a:schemeClr val="bg1"/>
                 </a:solidFill>
@@ -9082,13 +9165,6 @@
               </a:rPr>
               <a:t>모델</a:t>
             </a:r>
-            <a:endParaRPr lang="ko-KR" altLang="en-US" sz="2400" dirty="0">
-              <a:solidFill>
-                <a:schemeClr val="bg1"/>
-              </a:solidFill>
-              <a:latin typeface="나눔스퀘어 Bold" pitchFamily="50" charset="-127"/>
-              <a:ea typeface="나눔스퀘어 Bold" pitchFamily="50" charset="-127"/>
-            </a:endParaRPr>
           </a:p>
         </p:txBody>
       </p:sp>
@@ -9121,7 +9197,7 @@
               <a:t>프로젝트  실행 과정 </a:t>
             </a:r>
             <a:r>
-              <a:rPr lang="en-US" altLang="ko-KR" sz="1400" dirty="0" smtClean="0">
+              <a:rPr lang="en-US" altLang="ko-KR" sz="1400" dirty="0">
                 <a:latin typeface="나눔스퀘어 Bold" pitchFamily="50" charset="-127"/>
                 <a:ea typeface="나눔스퀘어 Bold" pitchFamily="50" charset="-127"/>
               </a:rPr>
@@ -9255,13 +9331,6 @@
   <p:clrMapOvr>
     <a:masterClrMapping/>
   </p:clrMapOvr>
-  <p:timing>
-    <p:tnLst>
-      <p:par>
-        <p:cTn id="1" dur="indefinite" restart="never" nodeType="tmRoot"/>
-      </p:par>
-    </p:tnLst>
-  </p:timing>
 </p:sld>
 </file>
 
@@ -9319,7 +9388,7 @@
               <a:t>프로젝트  실행 과정 </a:t>
             </a:r>
             <a:r>
-              <a:rPr lang="en-US" altLang="ko-KR" sz="1400" dirty="0" smtClean="0">
+              <a:rPr lang="en-US" altLang="ko-KR" sz="1400" dirty="0">
                 <a:latin typeface="나눔스퀘어 Bold" pitchFamily="50" charset="-127"/>
                 <a:ea typeface="나눔스퀘어 Bold" pitchFamily="50" charset="-127"/>
               </a:rPr>
@@ -9368,7 +9437,7 @@
           </a:lstStyle>
           <a:p>
             <a:r>
-              <a:rPr lang="en-US" altLang="ko-KR" sz="3600" dirty="0" smtClean="0">
+              <a:rPr lang="en-US" altLang="ko-KR" sz="3600" dirty="0">
                 <a:solidFill>
                   <a:srgbClr val="F6EFBD"/>
                 </a:solidFill>
@@ -9378,7 +9447,7 @@
               <a:t>Hugging face </a:t>
             </a:r>
             <a:r>
-              <a:rPr lang="en-US" altLang="ko-KR" sz="3600" dirty="0" err="1" smtClean="0">
+              <a:rPr lang="en-US" altLang="ko-KR" sz="3600" dirty="0" err="1">
                 <a:solidFill>
                   <a:srgbClr val="F6EFBD"/>
                 </a:solidFill>
@@ -9416,7 +9485,7 @@
         </p:spPr>
         <p:txBody>
           <a:bodyPr vert="horz" lIns="91440" tIns="45720" rIns="91440" bIns="45720" rtlCol="0" anchor="ctr">
-            <a:normAutofit fontScale="62500" lnSpcReduction="20000"/>
+            <a:normAutofit fontScale="70000" lnSpcReduction="20000"/>
           </a:bodyPr>
           <a:lstStyle>
             <a:lvl1pPr algn="ctr" defTabSz="914400" rtl="0" eaLnBrk="1" latinLnBrk="1" hangingPunct="1">
@@ -9436,7 +9505,7 @@
           </a:lstStyle>
           <a:p>
             <a:r>
-              <a:rPr lang="en-US" altLang="ko-KR" sz="3600" dirty="0" err="1" smtClean="0">
+              <a:rPr lang="en-US" altLang="ko-KR" sz="3600" dirty="0" err="1">
                 <a:solidFill>
                   <a:srgbClr val="F6EFBD"/>
                 </a:solidFill>
@@ -9529,13 +9598,6 @@
   <p:clrMapOvr>
     <a:masterClrMapping/>
   </p:clrMapOvr>
-  <p:timing>
-    <p:tnLst>
-      <p:par>
-        <p:cTn id="1" dur="indefinite" restart="never" nodeType="tmRoot"/>
-      </p:par>
-    </p:tnLst>
-  </p:timing>
 </p:sld>
 </file>
 
@@ -9651,7 +9713,7 @@
           <a:lstStyle/>
           <a:p>
             <a:r>
-              <a:rPr lang="ko-KR" altLang="en-US" sz="3200" dirty="0" smtClean="0">
+              <a:rPr lang="ko-KR" altLang="en-US" sz="3200" dirty="0">
                 <a:solidFill>
                   <a:srgbClr val="F6EFBD"/>
                 </a:solidFill>
@@ -9660,13 +9722,6 @@
               </a:rPr>
               <a:t>모델 훈련 설정</a:t>
             </a:r>
-            <a:endParaRPr lang="ko-KR" altLang="en-US" sz="3200" dirty="0">
-              <a:solidFill>
-                <a:srgbClr val="F6EFBD"/>
-              </a:solidFill>
-              <a:latin typeface="나눔스퀘어 Bold" pitchFamily="50" charset="-127"/>
-              <a:ea typeface="나눔스퀘어 Bold" pitchFamily="50" charset="-127"/>
-            </a:endParaRPr>
           </a:p>
         </p:txBody>
       </p:sp>
@@ -9699,7 +9754,7 @@
               <a:t>프로젝트  실행 과정 </a:t>
             </a:r>
             <a:r>
-              <a:rPr lang="en-US" altLang="ko-KR" sz="1400" dirty="0" smtClean="0">
+              <a:rPr lang="en-US" altLang="ko-KR" sz="1400" dirty="0">
                 <a:latin typeface="나눔스퀘어 Bold" pitchFamily="50" charset="-127"/>
                 <a:ea typeface="나눔스퀘어 Bold" pitchFamily="50" charset="-127"/>
               </a:rPr>
@@ -9719,13 +9774,6 @@
   <p:clrMapOvr>
     <a:masterClrMapping/>
   </p:clrMapOvr>
-  <p:timing>
-    <p:tnLst>
-      <p:par>
-        <p:cTn id="1" dur="indefinite" restart="never" nodeType="tmRoot"/>
-      </p:par>
-    </p:tnLst>
-  </p:timing>
 </p:sld>
 </file>
 
@@ -9841,7 +9889,7 @@
           <a:lstStyle/>
           <a:p>
             <a:r>
-              <a:rPr lang="ko-KR" altLang="en-US" sz="3200" dirty="0" smtClean="0">
+              <a:rPr lang="ko-KR" altLang="en-US" sz="3200" dirty="0">
                 <a:solidFill>
                   <a:srgbClr val="CB6040"/>
                 </a:solidFill>
@@ -9851,7 +9899,7 @@
               <a:t>모델 훈련</a:t>
             </a:r>
             <a:r>
-              <a:rPr lang="en-US" altLang="ko-KR" sz="3200" dirty="0" smtClean="0">
+              <a:rPr lang="en-US" altLang="ko-KR" sz="3200" dirty="0">
                 <a:solidFill>
                   <a:srgbClr val="CB6040"/>
                 </a:solidFill>
@@ -9899,7 +9947,7 @@
               <a:t>프로젝트  실행 과정 </a:t>
             </a:r>
             <a:r>
-              <a:rPr lang="en-US" altLang="ko-KR" sz="1400" dirty="0" smtClean="0">
+              <a:rPr lang="en-US" altLang="ko-KR" sz="1400" dirty="0">
                 <a:latin typeface="나눔스퀘어 Bold" pitchFamily="50" charset="-127"/>
                 <a:ea typeface="나눔스퀘어 Bold" pitchFamily="50" charset="-127"/>
               </a:rPr>
@@ -9919,13 +9967,6 @@
   <p:clrMapOvr>
     <a:masterClrMapping/>
   </p:clrMapOvr>
-  <p:timing>
-    <p:tnLst>
-      <p:par>
-        <p:cTn id="1" dur="indefinite" restart="never" nodeType="tmRoot"/>
-      </p:par>
-    </p:tnLst>
-  </p:timing>
 </p:sld>
 </file>
 
